--- a/Documentos/Presentacion Proyecto.pptx
+++ b/Documentos/Presentacion Proyecto.pptx
@@ -263,7 +263,7 @@
           <a:p>
             <a:fld id="{4DB321F1-109F-4AE6-B49A-97909BEAE479}" type="datetimeFigureOut">
               <a:rPr lang="es-ES" smtClean="0"/>
-              <a:t>10/06/2020</a:t>
+              <a:t>11/06/2020</a:t>
             </a:fld>
             <a:endParaRPr lang="es-ES" dirty="0"/>
           </a:p>
@@ -461,7 +461,7 @@
           <a:p>
             <a:fld id="{4DB321F1-109F-4AE6-B49A-97909BEAE479}" type="datetimeFigureOut">
               <a:rPr lang="es-ES" smtClean="0"/>
-              <a:t>10/06/2020</a:t>
+              <a:t>11/06/2020</a:t>
             </a:fld>
             <a:endParaRPr lang="es-ES" dirty="0"/>
           </a:p>
@@ -669,7 +669,7 @@
           <a:p>
             <a:fld id="{4DB321F1-109F-4AE6-B49A-97909BEAE479}" type="datetimeFigureOut">
               <a:rPr lang="es-ES" smtClean="0"/>
-              <a:t>10/06/2020</a:t>
+              <a:t>11/06/2020</a:t>
             </a:fld>
             <a:endParaRPr lang="es-ES" dirty="0"/>
           </a:p>
@@ -867,7 +867,7 @@
           <a:p>
             <a:fld id="{4DB321F1-109F-4AE6-B49A-97909BEAE479}" type="datetimeFigureOut">
               <a:rPr lang="es-ES" smtClean="0"/>
-              <a:t>10/06/2020</a:t>
+              <a:t>11/06/2020</a:t>
             </a:fld>
             <a:endParaRPr lang="es-ES" dirty="0"/>
           </a:p>
@@ -1142,7 +1142,7 @@
           <a:p>
             <a:fld id="{4DB321F1-109F-4AE6-B49A-97909BEAE479}" type="datetimeFigureOut">
               <a:rPr lang="es-ES" smtClean="0"/>
-              <a:t>10/06/2020</a:t>
+              <a:t>11/06/2020</a:t>
             </a:fld>
             <a:endParaRPr lang="es-ES" dirty="0"/>
           </a:p>
@@ -1407,7 +1407,7 @@
           <a:p>
             <a:fld id="{4DB321F1-109F-4AE6-B49A-97909BEAE479}" type="datetimeFigureOut">
               <a:rPr lang="es-ES" smtClean="0"/>
-              <a:t>10/06/2020</a:t>
+              <a:t>11/06/2020</a:t>
             </a:fld>
             <a:endParaRPr lang="es-ES" dirty="0"/>
           </a:p>
@@ -1819,7 +1819,7 @@
           <a:p>
             <a:fld id="{4DB321F1-109F-4AE6-B49A-97909BEAE479}" type="datetimeFigureOut">
               <a:rPr lang="es-ES" smtClean="0"/>
-              <a:t>10/06/2020</a:t>
+              <a:t>11/06/2020</a:t>
             </a:fld>
             <a:endParaRPr lang="es-ES" dirty="0"/>
           </a:p>
@@ -1960,7 +1960,7 @@
           <a:p>
             <a:fld id="{4DB321F1-109F-4AE6-B49A-97909BEAE479}" type="datetimeFigureOut">
               <a:rPr lang="es-ES" smtClean="0"/>
-              <a:t>10/06/2020</a:t>
+              <a:t>11/06/2020</a:t>
             </a:fld>
             <a:endParaRPr lang="es-ES" dirty="0"/>
           </a:p>
@@ -2073,7 +2073,7 @@
           <a:p>
             <a:fld id="{4DB321F1-109F-4AE6-B49A-97909BEAE479}" type="datetimeFigureOut">
               <a:rPr lang="es-ES" smtClean="0"/>
-              <a:t>10/06/2020</a:t>
+              <a:t>11/06/2020</a:t>
             </a:fld>
             <a:endParaRPr lang="es-ES" dirty="0"/>
           </a:p>
@@ -2384,7 +2384,7 @@
           <a:p>
             <a:fld id="{4DB321F1-109F-4AE6-B49A-97909BEAE479}" type="datetimeFigureOut">
               <a:rPr lang="es-ES" smtClean="0"/>
-              <a:t>10/06/2020</a:t>
+              <a:t>11/06/2020</a:t>
             </a:fld>
             <a:endParaRPr lang="es-ES" dirty="0"/>
           </a:p>
@@ -2672,7 +2672,7 @@
           <a:p>
             <a:fld id="{4DB321F1-109F-4AE6-B49A-97909BEAE479}" type="datetimeFigureOut">
               <a:rPr lang="es-ES" smtClean="0"/>
-              <a:t>10/06/2020</a:t>
+              <a:t>11/06/2020</a:t>
             </a:fld>
             <a:endParaRPr lang="es-ES" dirty="0"/>
           </a:p>
@@ -2913,7 +2913,7 @@
           <a:p>
             <a:fld id="{4DB321F1-109F-4AE6-B49A-97909BEAE479}" type="datetimeFigureOut">
               <a:rPr lang="es-ES" smtClean="0"/>
-              <a:t>10/06/2020</a:t>
+              <a:t>11/06/2020</a:t>
             </a:fld>
             <a:endParaRPr lang="es-ES" dirty="0"/>
           </a:p>
@@ -3425,6 +3425,180 @@
   <p:clrMapOvr>
     <a:masterClrMapping/>
   </p:clrMapOvr>
+  <p:timing>
+    <p:tnLst>
+      <p:par>
+        <p:cTn id="1" dur="indefinite" restart="never" nodeType="tmRoot">
+          <p:childTnLst>
+            <p:seq concurrent="1" nextAc="seek">
+              <p:cTn id="2" dur="indefinite" nodeType="mainSeq">
+                <p:childTnLst>
+                  <p:par>
+                    <p:cTn id="3" fill="hold">
+                      <p:stCondLst>
+                        <p:cond delay="indefinite"/>
+                      </p:stCondLst>
+                      <p:childTnLst>
+                        <p:par>
+                          <p:cTn id="4" fill="hold">
+                            <p:stCondLst>
+                              <p:cond delay="0"/>
+                            </p:stCondLst>
+                            <p:childTnLst>
+                              <p:par>
+                                <p:cTn id="5" presetID="14" presetClass="entr" presetSubtype="10" fill="hold" nodeType="clickEffect">
+                                  <p:stCondLst>
+                                    <p:cond delay="0"/>
+                                  </p:stCondLst>
+                                  <p:childTnLst>
+                                    <p:set>
+                                      <p:cBhvr>
+                                        <p:cTn id="6" dur="1" fill="hold">
+                                          <p:stCondLst>
+                                            <p:cond delay="0"/>
+                                          </p:stCondLst>
+                                        </p:cTn>
+                                        <p:tgtEl>
+                                          <p:spTgt spid="5"/>
+                                        </p:tgtEl>
+                                        <p:attrNameLst>
+                                          <p:attrName>style.visibility</p:attrName>
+                                        </p:attrNameLst>
+                                      </p:cBhvr>
+                                      <p:to>
+                                        <p:strVal val="visible"/>
+                                      </p:to>
+                                    </p:set>
+                                    <p:animEffect transition="in" filter="randombar(horizontal)">
+                                      <p:cBhvr>
+                                        <p:cTn id="7" dur="500"/>
+                                        <p:tgtEl>
+                                          <p:spTgt spid="5"/>
+                                        </p:tgtEl>
+                                      </p:cBhvr>
+                                    </p:animEffect>
+                                  </p:childTnLst>
+                                </p:cTn>
+                              </p:par>
+                            </p:childTnLst>
+                          </p:cTn>
+                        </p:par>
+                      </p:childTnLst>
+                    </p:cTn>
+                  </p:par>
+                  <p:par>
+                    <p:cTn id="8" fill="hold">
+                      <p:stCondLst>
+                        <p:cond delay="indefinite"/>
+                      </p:stCondLst>
+                      <p:childTnLst>
+                        <p:par>
+                          <p:cTn id="9" fill="hold">
+                            <p:stCondLst>
+                              <p:cond delay="0"/>
+                            </p:stCondLst>
+                            <p:childTnLst>
+                              <p:par>
+                                <p:cTn id="10" presetID="2" presetClass="entr" presetSubtype="4" fill="hold" nodeType="clickEffect">
+                                  <p:stCondLst>
+                                    <p:cond delay="0"/>
+                                  </p:stCondLst>
+                                  <p:childTnLst>
+                                    <p:set>
+                                      <p:cBhvr>
+                                        <p:cTn id="11" dur="1" fill="hold">
+                                          <p:stCondLst>
+                                            <p:cond delay="0"/>
+                                          </p:stCondLst>
+                                        </p:cTn>
+                                        <p:tgtEl>
+                                          <p:spTgt spid="7"/>
+                                        </p:tgtEl>
+                                        <p:attrNameLst>
+                                          <p:attrName>style.visibility</p:attrName>
+                                        </p:attrNameLst>
+                                      </p:cBhvr>
+                                      <p:to>
+                                        <p:strVal val="visible"/>
+                                      </p:to>
+                                    </p:set>
+                                    <p:anim calcmode="lin" valueType="num">
+                                      <p:cBhvr additive="base">
+                                        <p:cTn id="12" dur="500" fill="hold"/>
+                                        <p:tgtEl>
+                                          <p:spTgt spid="7"/>
+                                        </p:tgtEl>
+                                        <p:attrNameLst>
+                                          <p:attrName>ppt_x</p:attrName>
+                                        </p:attrNameLst>
+                                      </p:cBhvr>
+                                      <p:tavLst>
+                                        <p:tav tm="0">
+                                          <p:val>
+                                            <p:strVal val="#ppt_x"/>
+                                          </p:val>
+                                        </p:tav>
+                                        <p:tav tm="100000">
+                                          <p:val>
+                                            <p:strVal val="#ppt_x"/>
+                                          </p:val>
+                                        </p:tav>
+                                      </p:tavLst>
+                                    </p:anim>
+                                    <p:anim calcmode="lin" valueType="num">
+                                      <p:cBhvr additive="base">
+                                        <p:cTn id="13" dur="500" fill="hold"/>
+                                        <p:tgtEl>
+                                          <p:spTgt spid="7"/>
+                                        </p:tgtEl>
+                                        <p:attrNameLst>
+                                          <p:attrName>ppt_y</p:attrName>
+                                        </p:attrNameLst>
+                                      </p:cBhvr>
+                                      <p:tavLst>
+                                        <p:tav tm="0">
+                                          <p:val>
+                                            <p:strVal val="1+#ppt_h/2"/>
+                                          </p:val>
+                                        </p:tav>
+                                        <p:tav tm="100000">
+                                          <p:val>
+                                            <p:strVal val="#ppt_y"/>
+                                          </p:val>
+                                        </p:tav>
+                                      </p:tavLst>
+                                    </p:anim>
+                                  </p:childTnLst>
+                                </p:cTn>
+                              </p:par>
+                            </p:childTnLst>
+                          </p:cTn>
+                        </p:par>
+                      </p:childTnLst>
+                    </p:cTn>
+                  </p:par>
+                </p:childTnLst>
+              </p:cTn>
+              <p:prevCondLst>
+                <p:cond evt="onPrev" delay="0">
+                  <p:tgtEl>
+                    <p:sldTgt/>
+                  </p:tgtEl>
+                </p:cond>
+              </p:prevCondLst>
+              <p:nextCondLst>
+                <p:cond evt="onNext" delay="0">
+                  <p:tgtEl>
+                    <p:sldTgt/>
+                  </p:tgtEl>
+                </p:cond>
+              </p:nextCondLst>
+            </p:seq>
+          </p:childTnLst>
+        </p:cTn>
+      </p:par>
+    </p:tnLst>
+  </p:timing>
 </p:sld>
 </file>
 
@@ -3709,6 +3883,1531 @@
   <p:clrMapOvr>
     <a:masterClrMapping/>
   </p:clrMapOvr>
+  <p:timing>
+    <p:tnLst>
+      <p:par>
+        <p:cTn id="1" dur="indefinite" restart="never" nodeType="tmRoot">
+          <p:childTnLst>
+            <p:seq concurrent="1" nextAc="seek">
+              <p:cTn id="2" dur="indefinite" nodeType="mainSeq">
+                <p:childTnLst>
+                  <p:par>
+                    <p:cTn id="3" fill="hold">
+                      <p:stCondLst>
+                        <p:cond delay="indefinite"/>
+                      </p:stCondLst>
+                      <p:childTnLst>
+                        <p:par>
+                          <p:cTn id="4" fill="hold">
+                            <p:stCondLst>
+                              <p:cond delay="0"/>
+                            </p:stCondLst>
+                            <p:childTnLst>
+                              <p:par>
+                                <p:cTn id="5" presetID="31" presetClass="entr" presetSubtype="0" fill="hold" grpId="0" nodeType="clickEffect">
+                                  <p:stCondLst>
+                                    <p:cond delay="0"/>
+                                  </p:stCondLst>
+                                  <p:childTnLst>
+                                    <p:set>
+                                      <p:cBhvr>
+                                        <p:cTn id="6" dur="1" fill="hold">
+                                          <p:stCondLst>
+                                            <p:cond delay="0"/>
+                                          </p:stCondLst>
+                                        </p:cTn>
+                                        <p:tgtEl>
+                                          <p:spTgt spid="4"/>
+                                        </p:tgtEl>
+                                        <p:attrNameLst>
+                                          <p:attrName>style.visibility</p:attrName>
+                                        </p:attrNameLst>
+                                      </p:cBhvr>
+                                      <p:to>
+                                        <p:strVal val="visible"/>
+                                      </p:to>
+                                    </p:set>
+                                    <p:anim calcmode="lin" valueType="num">
+                                      <p:cBhvr>
+                                        <p:cTn id="7" dur="1000" fill="hold"/>
+                                        <p:tgtEl>
+                                          <p:spTgt spid="4"/>
+                                        </p:tgtEl>
+                                        <p:attrNameLst>
+                                          <p:attrName>ppt_w</p:attrName>
+                                        </p:attrNameLst>
+                                      </p:cBhvr>
+                                      <p:tavLst>
+                                        <p:tav tm="0">
+                                          <p:val>
+                                            <p:fltVal val="0"/>
+                                          </p:val>
+                                        </p:tav>
+                                        <p:tav tm="100000">
+                                          <p:val>
+                                            <p:strVal val="#ppt_w"/>
+                                          </p:val>
+                                        </p:tav>
+                                      </p:tavLst>
+                                    </p:anim>
+                                    <p:anim calcmode="lin" valueType="num">
+                                      <p:cBhvr>
+                                        <p:cTn id="8" dur="1000" fill="hold"/>
+                                        <p:tgtEl>
+                                          <p:spTgt spid="4"/>
+                                        </p:tgtEl>
+                                        <p:attrNameLst>
+                                          <p:attrName>ppt_h</p:attrName>
+                                        </p:attrNameLst>
+                                      </p:cBhvr>
+                                      <p:tavLst>
+                                        <p:tav tm="0">
+                                          <p:val>
+                                            <p:fltVal val="0"/>
+                                          </p:val>
+                                        </p:tav>
+                                        <p:tav tm="100000">
+                                          <p:val>
+                                            <p:strVal val="#ppt_h"/>
+                                          </p:val>
+                                        </p:tav>
+                                      </p:tavLst>
+                                    </p:anim>
+                                    <p:anim calcmode="lin" valueType="num">
+                                      <p:cBhvr>
+                                        <p:cTn id="9" dur="1000" fill="hold"/>
+                                        <p:tgtEl>
+                                          <p:spTgt spid="4"/>
+                                        </p:tgtEl>
+                                        <p:attrNameLst>
+                                          <p:attrName>style.rotation</p:attrName>
+                                        </p:attrNameLst>
+                                      </p:cBhvr>
+                                      <p:tavLst>
+                                        <p:tav tm="0">
+                                          <p:val>
+                                            <p:fltVal val="90"/>
+                                          </p:val>
+                                        </p:tav>
+                                        <p:tav tm="100000">
+                                          <p:val>
+                                            <p:fltVal val="0"/>
+                                          </p:val>
+                                        </p:tav>
+                                      </p:tavLst>
+                                    </p:anim>
+                                    <p:animEffect transition="in" filter="fade">
+                                      <p:cBhvr>
+                                        <p:cTn id="10" dur="1000"/>
+                                        <p:tgtEl>
+                                          <p:spTgt spid="4"/>
+                                        </p:tgtEl>
+                                      </p:cBhvr>
+                                    </p:animEffect>
+                                  </p:childTnLst>
+                                </p:cTn>
+                              </p:par>
+                            </p:childTnLst>
+                          </p:cTn>
+                        </p:par>
+                      </p:childTnLst>
+                    </p:cTn>
+                  </p:par>
+                  <p:par>
+                    <p:cTn id="11" fill="hold">
+                      <p:stCondLst>
+                        <p:cond delay="indefinite"/>
+                      </p:stCondLst>
+                      <p:childTnLst>
+                        <p:par>
+                          <p:cTn id="12" fill="hold">
+                            <p:stCondLst>
+                              <p:cond delay="0"/>
+                            </p:stCondLst>
+                            <p:childTnLst>
+                              <p:par>
+                                <p:cTn id="13" presetID="26" presetClass="entr" presetSubtype="0" fill="hold" nodeType="clickEffect">
+                                  <p:stCondLst>
+                                    <p:cond delay="0"/>
+                                  </p:stCondLst>
+                                  <p:childTnLst>
+                                    <p:set>
+                                      <p:cBhvr>
+                                        <p:cTn id="14" dur="1" fill="hold">
+                                          <p:stCondLst>
+                                            <p:cond delay="0"/>
+                                          </p:stCondLst>
+                                        </p:cTn>
+                                        <p:tgtEl>
+                                          <p:spTgt spid="5">
+                                            <p:txEl>
+                                              <p:pRg st="0" end="0"/>
+                                            </p:txEl>
+                                          </p:spTgt>
+                                        </p:tgtEl>
+                                        <p:attrNameLst>
+                                          <p:attrName>style.visibility</p:attrName>
+                                        </p:attrNameLst>
+                                      </p:cBhvr>
+                                      <p:to>
+                                        <p:strVal val="visible"/>
+                                      </p:to>
+                                    </p:set>
+                                    <p:animEffect transition="in" filter="wipe(down)">
+                                      <p:cBhvr>
+                                        <p:cTn id="15" dur="580">
+                                          <p:stCondLst>
+                                            <p:cond delay="0"/>
+                                          </p:stCondLst>
+                                        </p:cTn>
+                                        <p:tgtEl>
+                                          <p:spTgt spid="5">
+                                            <p:txEl>
+                                              <p:pRg st="0" end="0"/>
+                                            </p:txEl>
+                                          </p:spTgt>
+                                        </p:tgtEl>
+                                      </p:cBhvr>
+                                    </p:animEffect>
+                                    <p:anim calcmode="lin" valueType="num">
+                                      <p:cBhvr>
+                                        <p:cTn id="16" dur="1822" tmFilter="0,0; 0.14,0.36; 0.43,0.73; 0.71,0.91; 1.0,1.0">
+                                          <p:stCondLst>
+                                            <p:cond delay="0"/>
+                                          </p:stCondLst>
+                                        </p:cTn>
+                                        <p:tgtEl>
+                                          <p:spTgt spid="5">
+                                            <p:txEl>
+                                              <p:pRg st="0" end="0"/>
+                                            </p:txEl>
+                                          </p:spTgt>
+                                        </p:tgtEl>
+                                        <p:attrNameLst>
+                                          <p:attrName>ppt_x</p:attrName>
+                                        </p:attrNameLst>
+                                      </p:cBhvr>
+                                      <p:tavLst>
+                                        <p:tav tm="0">
+                                          <p:val>
+                                            <p:strVal val="#ppt_x-0.25"/>
+                                          </p:val>
+                                        </p:tav>
+                                        <p:tav tm="100000">
+                                          <p:val>
+                                            <p:strVal val="#ppt_x"/>
+                                          </p:val>
+                                        </p:tav>
+                                      </p:tavLst>
+                                    </p:anim>
+                                    <p:anim calcmode="lin" valueType="num">
+                                      <p:cBhvr>
+                                        <p:cTn id="17" dur="664" tmFilter="0.0,0.0; 0.25,0.07; 0.50,0.2; 0.75,0.467; 1.0,1.0">
+                                          <p:stCondLst>
+                                            <p:cond delay="0"/>
+                                          </p:stCondLst>
+                                        </p:cTn>
+                                        <p:tgtEl>
+                                          <p:spTgt spid="5">
+                                            <p:txEl>
+                                              <p:pRg st="0" end="0"/>
+                                            </p:txEl>
+                                          </p:spTgt>
+                                        </p:tgtEl>
+                                        <p:attrNameLst>
+                                          <p:attrName>ppt_y</p:attrName>
+                                        </p:attrNameLst>
+                                      </p:cBhvr>
+                                      <p:tavLst>
+                                        <p:tav tm="0" fmla="#ppt_y-sin(pi*$)/3">
+                                          <p:val>
+                                            <p:fltVal val="0.5"/>
+                                          </p:val>
+                                        </p:tav>
+                                        <p:tav tm="100000">
+                                          <p:val>
+                                            <p:fltVal val="1"/>
+                                          </p:val>
+                                        </p:tav>
+                                      </p:tavLst>
+                                    </p:anim>
+                                    <p:anim calcmode="lin" valueType="num">
+                                      <p:cBhvr>
+                                        <p:cTn id="18" dur="664" tmFilter="0, 0; 0.125,0.2665; 0.25,0.4; 0.375,0.465; 0.5,0.5;  0.625,0.535; 0.75,0.6; 0.875,0.7335; 1,1">
+                                          <p:stCondLst>
+                                            <p:cond delay="664"/>
+                                          </p:stCondLst>
+                                        </p:cTn>
+                                        <p:tgtEl>
+                                          <p:spTgt spid="5">
+                                            <p:txEl>
+                                              <p:pRg st="0" end="0"/>
+                                            </p:txEl>
+                                          </p:spTgt>
+                                        </p:tgtEl>
+                                        <p:attrNameLst>
+                                          <p:attrName>ppt_y</p:attrName>
+                                        </p:attrNameLst>
+                                      </p:cBhvr>
+                                      <p:tavLst>
+                                        <p:tav tm="0" fmla="#ppt_y-sin(pi*$)/9">
+                                          <p:val>
+                                            <p:fltVal val="0"/>
+                                          </p:val>
+                                        </p:tav>
+                                        <p:tav tm="100000">
+                                          <p:val>
+                                            <p:fltVal val="1"/>
+                                          </p:val>
+                                        </p:tav>
+                                      </p:tavLst>
+                                    </p:anim>
+                                    <p:anim calcmode="lin" valueType="num">
+                                      <p:cBhvr>
+                                        <p:cTn id="19" dur="332" tmFilter="0, 0; 0.125,0.2665; 0.25,0.4; 0.375,0.465; 0.5,0.5;  0.625,0.535; 0.75,0.6; 0.875,0.7335; 1,1">
+                                          <p:stCondLst>
+                                            <p:cond delay="1324"/>
+                                          </p:stCondLst>
+                                        </p:cTn>
+                                        <p:tgtEl>
+                                          <p:spTgt spid="5">
+                                            <p:txEl>
+                                              <p:pRg st="0" end="0"/>
+                                            </p:txEl>
+                                          </p:spTgt>
+                                        </p:tgtEl>
+                                        <p:attrNameLst>
+                                          <p:attrName>ppt_y</p:attrName>
+                                        </p:attrNameLst>
+                                      </p:cBhvr>
+                                      <p:tavLst>
+                                        <p:tav tm="0" fmla="#ppt_y-sin(pi*$)/27">
+                                          <p:val>
+                                            <p:fltVal val="0"/>
+                                          </p:val>
+                                        </p:tav>
+                                        <p:tav tm="100000">
+                                          <p:val>
+                                            <p:fltVal val="1"/>
+                                          </p:val>
+                                        </p:tav>
+                                      </p:tavLst>
+                                    </p:anim>
+                                    <p:anim calcmode="lin" valueType="num">
+                                      <p:cBhvr>
+                                        <p:cTn id="20" dur="164" tmFilter="0, 0; 0.125,0.2665; 0.25,0.4; 0.375,0.465; 0.5,0.5;  0.625,0.535; 0.75,0.6; 0.875,0.7335; 1,1">
+                                          <p:stCondLst>
+                                            <p:cond delay="1656"/>
+                                          </p:stCondLst>
+                                        </p:cTn>
+                                        <p:tgtEl>
+                                          <p:spTgt spid="5">
+                                            <p:txEl>
+                                              <p:pRg st="0" end="0"/>
+                                            </p:txEl>
+                                          </p:spTgt>
+                                        </p:tgtEl>
+                                        <p:attrNameLst>
+                                          <p:attrName>ppt_y</p:attrName>
+                                        </p:attrNameLst>
+                                      </p:cBhvr>
+                                      <p:tavLst>
+                                        <p:tav tm="0" fmla="#ppt_y-sin(pi*$)/81">
+                                          <p:val>
+                                            <p:fltVal val="0"/>
+                                          </p:val>
+                                        </p:tav>
+                                        <p:tav tm="100000">
+                                          <p:val>
+                                            <p:fltVal val="1"/>
+                                          </p:val>
+                                        </p:tav>
+                                      </p:tavLst>
+                                    </p:anim>
+                                    <p:animScale>
+                                      <p:cBhvr>
+                                        <p:cTn id="21" dur="26">
+                                          <p:stCondLst>
+                                            <p:cond delay="650"/>
+                                          </p:stCondLst>
+                                        </p:cTn>
+                                        <p:tgtEl>
+                                          <p:spTgt spid="5">
+                                            <p:txEl>
+                                              <p:pRg st="0" end="0"/>
+                                            </p:txEl>
+                                          </p:spTgt>
+                                        </p:tgtEl>
+                                      </p:cBhvr>
+                                      <p:to x="100000" y="60000"/>
+                                    </p:animScale>
+                                    <p:animScale>
+                                      <p:cBhvr>
+                                        <p:cTn id="22" dur="166" decel="50000">
+                                          <p:stCondLst>
+                                            <p:cond delay="676"/>
+                                          </p:stCondLst>
+                                        </p:cTn>
+                                        <p:tgtEl>
+                                          <p:spTgt spid="5">
+                                            <p:txEl>
+                                              <p:pRg st="0" end="0"/>
+                                            </p:txEl>
+                                          </p:spTgt>
+                                        </p:tgtEl>
+                                      </p:cBhvr>
+                                      <p:to x="100000" y="100000"/>
+                                    </p:animScale>
+                                    <p:animScale>
+                                      <p:cBhvr>
+                                        <p:cTn id="23" dur="26">
+                                          <p:stCondLst>
+                                            <p:cond delay="1312"/>
+                                          </p:stCondLst>
+                                        </p:cTn>
+                                        <p:tgtEl>
+                                          <p:spTgt spid="5">
+                                            <p:txEl>
+                                              <p:pRg st="0" end="0"/>
+                                            </p:txEl>
+                                          </p:spTgt>
+                                        </p:tgtEl>
+                                      </p:cBhvr>
+                                      <p:to x="100000" y="80000"/>
+                                    </p:animScale>
+                                    <p:animScale>
+                                      <p:cBhvr>
+                                        <p:cTn id="24" dur="166" decel="50000">
+                                          <p:stCondLst>
+                                            <p:cond delay="1338"/>
+                                          </p:stCondLst>
+                                        </p:cTn>
+                                        <p:tgtEl>
+                                          <p:spTgt spid="5">
+                                            <p:txEl>
+                                              <p:pRg st="0" end="0"/>
+                                            </p:txEl>
+                                          </p:spTgt>
+                                        </p:tgtEl>
+                                      </p:cBhvr>
+                                      <p:to x="100000" y="100000"/>
+                                    </p:animScale>
+                                    <p:animScale>
+                                      <p:cBhvr>
+                                        <p:cTn id="25" dur="26">
+                                          <p:stCondLst>
+                                            <p:cond delay="1642"/>
+                                          </p:stCondLst>
+                                        </p:cTn>
+                                        <p:tgtEl>
+                                          <p:spTgt spid="5">
+                                            <p:txEl>
+                                              <p:pRg st="0" end="0"/>
+                                            </p:txEl>
+                                          </p:spTgt>
+                                        </p:tgtEl>
+                                      </p:cBhvr>
+                                      <p:to x="100000" y="90000"/>
+                                    </p:animScale>
+                                    <p:animScale>
+                                      <p:cBhvr>
+                                        <p:cTn id="26" dur="166" decel="50000">
+                                          <p:stCondLst>
+                                            <p:cond delay="1668"/>
+                                          </p:stCondLst>
+                                        </p:cTn>
+                                        <p:tgtEl>
+                                          <p:spTgt spid="5">
+                                            <p:txEl>
+                                              <p:pRg st="0" end="0"/>
+                                            </p:txEl>
+                                          </p:spTgt>
+                                        </p:tgtEl>
+                                      </p:cBhvr>
+                                      <p:to x="100000" y="100000"/>
+                                    </p:animScale>
+                                    <p:animScale>
+                                      <p:cBhvr>
+                                        <p:cTn id="27" dur="26">
+                                          <p:stCondLst>
+                                            <p:cond delay="1808"/>
+                                          </p:stCondLst>
+                                        </p:cTn>
+                                        <p:tgtEl>
+                                          <p:spTgt spid="5">
+                                            <p:txEl>
+                                              <p:pRg st="0" end="0"/>
+                                            </p:txEl>
+                                          </p:spTgt>
+                                        </p:tgtEl>
+                                      </p:cBhvr>
+                                      <p:to x="100000" y="95000"/>
+                                    </p:animScale>
+                                    <p:animScale>
+                                      <p:cBhvr>
+                                        <p:cTn id="28" dur="166" decel="50000">
+                                          <p:stCondLst>
+                                            <p:cond delay="1834"/>
+                                          </p:stCondLst>
+                                        </p:cTn>
+                                        <p:tgtEl>
+                                          <p:spTgt spid="5">
+                                            <p:txEl>
+                                              <p:pRg st="0" end="0"/>
+                                            </p:txEl>
+                                          </p:spTgt>
+                                        </p:tgtEl>
+                                      </p:cBhvr>
+                                      <p:to x="100000" y="100000"/>
+                                    </p:animScale>
+                                  </p:childTnLst>
+                                </p:cTn>
+                              </p:par>
+                              <p:par>
+                                <p:cTn id="29" presetID="26" presetClass="entr" presetSubtype="0" fill="hold" nodeType="withEffect">
+                                  <p:stCondLst>
+                                    <p:cond delay="0"/>
+                                  </p:stCondLst>
+                                  <p:childTnLst>
+                                    <p:set>
+                                      <p:cBhvr>
+                                        <p:cTn id="30" dur="1" fill="hold">
+                                          <p:stCondLst>
+                                            <p:cond delay="0"/>
+                                          </p:stCondLst>
+                                        </p:cTn>
+                                        <p:tgtEl>
+                                          <p:spTgt spid="5">
+                                            <p:txEl>
+                                              <p:pRg st="1" end="1"/>
+                                            </p:txEl>
+                                          </p:spTgt>
+                                        </p:tgtEl>
+                                        <p:attrNameLst>
+                                          <p:attrName>style.visibility</p:attrName>
+                                        </p:attrNameLst>
+                                      </p:cBhvr>
+                                      <p:to>
+                                        <p:strVal val="visible"/>
+                                      </p:to>
+                                    </p:set>
+                                    <p:animEffect transition="in" filter="wipe(down)">
+                                      <p:cBhvr>
+                                        <p:cTn id="31" dur="580">
+                                          <p:stCondLst>
+                                            <p:cond delay="0"/>
+                                          </p:stCondLst>
+                                        </p:cTn>
+                                        <p:tgtEl>
+                                          <p:spTgt spid="5">
+                                            <p:txEl>
+                                              <p:pRg st="1" end="1"/>
+                                            </p:txEl>
+                                          </p:spTgt>
+                                        </p:tgtEl>
+                                      </p:cBhvr>
+                                    </p:animEffect>
+                                    <p:anim calcmode="lin" valueType="num">
+                                      <p:cBhvr>
+                                        <p:cTn id="32" dur="1822" tmFilter="0,0; 0.14,0.36; 0.43,0.73; 0.71,0.91; 1.0,1.0">
+                                          <p:stCondLst>
+                                            <p:cond delay="0"/>
+                                          </p:stCondLst>
+                                        </p:cTn>
+                                        <p:tgtEl>
+                                          <p:spTgt spid="5">
+                                            <p:txEl>
+                                              <p:pRg st="1" end="1"/>
+                                            </p:txEl>
+                                          </p:spTgt>
+                                        </p:tgtEl>
+                                        <p:attrNameLst>
+                                          <p:attrName>ppt_x</p:attrName>
+                                        </p:attrNameLst>
+                                      </p:cBhvr>
+                                      <p:tavLst>
+                                        <p:tav tm="0">
+                                          <p:val>
+                                            <p:strVal val="#ppt_x-0.25"/>
+                                          </p:val>
+                                        </p:tav>
+                                        <p:tav tm="100000">
+                                          <p:val>
+                                            <p:strVal val="#ppt_x"/>
+                                          </p:val>
+                                        </p:tav>
+                                      </p:tavLst>
+                                    </p:anim>
+                                    <p:anim calcmode="lin" valueType="num">
+                                      <p:cBhvr>
+                                        <p:cTn id="33" dur="664" tmFilter="0.0,0.0; 0.25,0.07; 0.50,0.2; 0.75,0.467; 1.0,1.0">
+                                          <p:stCondLst>
+                                            <p:cond delay="0"/>
+                                          </p:stCondLst>
+                                        </p:cTn>
+                                        <p:tgtEl>
+                                          <p:spTgt spid="5">
+                                            <p:txEl>
+                                              <p:pRg st="1" end="1"/>
+                                            </p:txEl>
+                                          </p:spTgt>
+                                        </p:tgtEl>
+                                        <p:attrNameLst>
+                                          <p:attrName>ppt_y</p:attrName>
+                                        </p:attrNameLst>
+                                      </p:cBhvr>
+                                      <p:tavLst>
+                                        <p:tav tm="0" fmla="#ppt_y-sin(pi*$)/3">
+                                          <p:val>
+                                            <p:fltVal val="0.5"/>
+                                          </p:val>
+                                        </p:tav>
+                                        <p:tav tm="100000">
+                                          <p:val>
+                                            <p:fltVal val="1"/>
+                                          </p:val>
+                                        </p:tav>
+                                      </p:tavLst>
+                                    </p:anim>
+                                    <p:anim calcmode="lin" valueType="num">
+                                      <p:cBhvr>
+                                        <p:cTn id="34" dur="664" tmFilter="0, 0; 0.125,0.2665; 0.25,0.4; 0.375,0.465; 0.5,0.5;  0.625,0.535; 0.75,0.6; 0.875,0.7335; 1,1">
+                                          <p:stCondLst>
+                                            <p:cond delay="664"/>
+                                          </p:stCondLst>
+                                        </p:cTn>
+                                        <p:tgtEl>
+                                          <p:spTgt spid="5">
+                                            <p:txEl>
+                                              <p:pRg st="1" end="1"/>
+                                            </p:txEl>
+                                          </p:spTgt>
+                                        </p:tgtEl>
+                                        <p:attrNameLst>
+                                          <p:attrName>ppt_y</p:attrName>
+                                        </p:attrNameLst>
+                                      </p:cBhvr>
+                                      <p:tavLst>
+                                        <p:tav tm="0" fmla="#ppt_y-sin(pi*$)/9">
+                                          <p:val>
+                                            <p:fltVal val="0"/>
+                                          </p:val>
+                                        </p:tav>
+                                        <p:tav tm="100000">
+                                          <p:val>
+                                            <p:fltVal val="1"/>
+                                          </p:val>
+                                        </p:tav>
+                                      </p:tavLst>
+                                    </p:anim>
+                                    <p:anim calcmode="lin" valueType="num">
+                                      <p:cBhvr>
+                                        <p:cTn id="35" dur="332" tmFilter="0, 0; 0.125,0.2665; 0.25,0.4; 0.375,0.465; 0.5,0.5;  0.625,0.535; 0.75,0.6; 0.875,0.7335; 1,1">
+                                          <p:stCondLst>
+                                            <p:cond delay="1324"/>
+                                          </p:stCondLst>
+                                        </p:cTn>
+                                        <p:tgtEl>
+                                          <p:spTgt spid="5">
+                                            <p:txEl>
+                                              <p:pRg st="1" end="1"/>
+                                            </p:txEl>
+                                          </p:spTgt>
+                                        </p:tgtEl>
+                                        <p:attrNameLst>
+                                          <p:attrName>ppt_y</p:attrName>
+                                        </p:attrNameLst>
+                                      </p:cBhvr>
+                                      <p:tavLst>
+                                        <p:tav tm="0" fmla="#ppt_y-sin(pi*$)/27">
+                                          <p:val>
+                                            <p:fltVal val="0"/>
+                                          </p:val>
+                                        </p:tav>
+                                        <p:tav tm="100000">
+                                          <p:val>
+                                            <p:fltVal val="1"/>
+                                          </p:val>
+                                        </p:tav>
+                                      </p:tavLst>
+                                    </p:anim>
+                                    <p:anim calcmode="lin" valueType="num">
+                                      <p:cBhvr>
+                                        <p:cTn id="36" dur="164" tmFilter="0, 0; 0.125,0.2665; 0.25,0.4; 0.375,0.465; 0.5,0.5;  0.625,0.535; 0.75,0.6; 0.875,0.7335; 1,1">
+                                          <p:stCondLst>
+                                            <p:cond delay="1656"/>
+                                          </p:stCondLst>
+                                        </p:cTn>
+                                        <p:tgtEl>
+                                          <p:spTgt spid="5">
+                                            <p:txEl>
+                                              <p:pRg st="1" end="1"/>
+                                            </p:txEl>
+                                          </p:spTgt>
+                                        </p:tgtEl>
+                                        <p:attrNameLst>
+                                          <p:attrName>ppt_y</p:attrName>
+                                        </p:attrNameLst>
+                                      </p:cBhvr>
+                                      <p:tavLst>
+                                        <p:tav tm="0" fmla="#ppt_y-sin(pi*$)/81">
+                                          <p:val>
+                                            <p:fltVal val="0"/>
+                                          </p:val>
+                                        </p:tav>
+                                        <p:tav tm="100000">
+                                          <p:val>
+                                            <p:fltVal val="1"/>
+                                          </p:val>
+                                        </p:tav>
+                                      </p:tavLst>
+                                    </p:anim>
+                                    <p:animScale>
+                                      <p:cBhvr>
+                                        <p:cTn id="37" dur="26">
+                                          <p:stCondLst>
+                                            <p:cond delay="650"/>
+                                          </p:stCondLst>
+                                        </p:cTn>
+                                        <p:tgtEl>
+                                          <p:spTgt spid="5">
+                                            <p:txEl>
+                                              <p:pRg st="1" end="1"/>
+                                            </p:txEl>
+                                          </p:spTgt>
+                                        </p:tgtEl>
+                                      </p:cBhvr>
+                                      <p:to x="100000" y="60000"/>
+                                    </p:animScale>
+                                    <p:animScale>
+                                      <p:cBhvr>
+                                        <p:cTn id="38" dur="166" decel="50000">
+                                          <p:stCondLst>
+                                            <p:cond delay="676"/>
+                                          </p:stCondLst>
+                                        </p:cTn>
+                                        <p:tgtEl>
+                                          <p:spTgt spid="5">
+                                            <p:txEl>
+                                              <p:pRg st="1" end="1"/>
+                                            </p:txEl>
+                                          </p:spTgt>
+                                        </p:tgtEl>
+                                      </p:cBhvr>
+                                      <p:to x="100000" y="100000"/>
+                                    </p:animScale>
+                                    <p:animScale>
+                                      <p:cBhvr>
+                                        <p:cTn id="39" dur="26">
+                                          <p:stCondLst>
+                                            <p:cond delay="1312"/>
+                                          </p:stCondLst>
+                                        </p:cTn>
+                                        <p:tgtEl>
+                                          <p:spTgt spid="5">
+                                            <p:txEl>
+                                              <p:pRg st="1" end="1"/>
+                                            </p:txEl>
+                                          </p:spTgt>
+                                        </p:tgtEl>
+                                      </p:cBhvr>
+                                      <p:to x="100000" y="80000"/>
+                                    </p:animScale>
+                                    <p:animScale>
+                                      <p:cBhvr>
+                                        <p:cTn id="40" dur="166" decel="50000">
+                                          <p:stCondLst>
+                                            <p:cond delay="1338"/>
+                                          </p:stCondLst>
+                                        </p:cTn>
+                                        <p:tgtEl>
+                                          <p:spTgt spid="5">
+                                            <p:txEl>
+                                              <p:pRg st="1" end="1"/>
+                                            </p:txEl>
+                                          </p:spTgt>
+                                        </p:tgtEl>
+                                      </p:cBhvr>
+                                      <p:to x="100000" y="100000"/>
+                                    </p:animScale>
+                                    <p:animScale>
+                                      <p:cBhvr>
+                                        <p:cTn id="41" dur="26">
+                                          <p:stCondLst>
+                                            <p:cond delay="1642"/>
+                                          </p:stCondLst>
+                                        </p:cTn>
+                                        <p:tgtEl>
+                                          <p:spTgt spid="5">
+                                            <p:txEl>
+                                              <p:pRg st="1" end="1"/>
+                                            </p:txEl>
+                                          </p:spTgt>
+                                        </p:tgtEl>
+                                      </p:cBhvr>
+                                      <p:to x="100000" y="90000"/>
+                                    </p:animScale>
+                                    <p:animScale>
+                                      <p:cBhvr>
+                                        <p:cTn id="42" dur="166" decel="50000">
+                                          <p:stCondLst>
+                                            <p:cond delay="1668"/>
+                                          </p:stCondLst>
+                                        </p:cTn>
+                                        <p:tgtEl>
+                                          <p:spTgt spid="5">
+                                            <p:txEl>
+                                              <p:pRg st="1" end="1"/>
+                                            </p:txEl>
+                                          </p:spTgt>
+                                        </p:tgtEl>
+                                      </p:cBhvr>
+                                      <p:to x="100000" y="100000"/>
+                                    </p:animScale>
+                                    <p:animScale>
+                                      <p:cBhvr>
+                                        <p:cTn id="43" dur="26">
+                                          <p:stCondLst>
+                                            <p:cond delay="1808"/>
+                                          </p:stCondLst>
+                                        </p:cTn>
+                                        <p:tgtEl>
+                                          <p:spTgt spid="5">
+                                            <p:txEl>
+                                              <p:pRg st="1" end="1"/>
+                                            </p:txEl>
+                                          </p:spTgt>
+                                        </p:tgtEl>
+                                      </p:cBhvr>
+                                      <p:to x="100000" y="95000"/>
+                                    </p:animScale>
+                                    <p:animScale>
+                                      <p:cBhvr>
+                                        <p:cTn id="44" dur="166" decel="50000">
+                                          <p:stCondLst>
+                                            <p:cond delay="1834"/>
+                                          </p:stCondLst>
+                                        </p:cTn>
+                                        <p:tgtEl>
+                                          <p:spTgt spid="5">
+                                            <p:txEl>
+                                              <p:pRg st="1" end="1"/>
+                                            </p:txEl>
+                                          </p:spTgt>
+                                        </p:tgtEl>
+                                      </p:cBhvr>
+                                      <p:to x="100000" y="100000"/>
+                                    </p:animScale>
+                                  </p:childTnLst>
+                                </p:cTn>
+                              </p:par>
+                              <p:par>
+                                <p:cTn id="45" presetID="26" presetClass="entr" presetSubtype="0" fill="hold" nodeType="withEffect">
+                                  <p:stCondLst>
+                                    <p:cond delay="0"/>
+                                  </p:stCondLst>
+                                  <p:childTnLst>
+                                    <p:set>
+                                      <p:cBhvr>
+                                        <p:cTn id="46" dur="1" fill="hold">
+                                          <p:stCondLst>
+                                            <p:cond delay="0"/>
+                                          </p:stCondLst>
+                                        </p:cTn>
+                                        <p:tgtEl>
+                                          <p:spTgt spid="5">
+                                            <p:txEl>
+                                              <p:pRg st="2" end="2"/>
+                                            </p:txEl>
+                                          </p:spTgt>
+                                        </p:tgtEl>
+                                        <p:attrNameLst>
+                                          <p:attrName>style.visibility</p:attrName>
+                                        </p:attrNameLst>
+                                      </p:cBhvr>
+                                      <p:to>
+                                        <p:strVal val="visible"/>
+                                      </p:to>
+                                    </p:set>
+                                    <p:animEffect transition="in" filter="wipe(down)">
+                                      <p:cBhvr>
+                                        <p:cTn id="47" dur="580">
+                                          <p:stCondLst>
+                                            <p:cond delay="0"/>
+                                          </p:stCondLst>
+                                        </p:cTn>
+                                        <p:tgtEl>
+                                          <p:spTgt spid="5">
+                                            <p:txEl>
+                                              <p:pRg st="2" end="2"/>
+                                            </p:txEl>
+                                          </p:spTgt>
+                                        </p:tgtEl>
+                                      </p:cBhvr>
+                                    </p:animEffect>
+                                    <p:anim calcmode="lin" valueType="num">
+                                      <p:cBhvr>
+                                        <p:cTn id="48" dur="1822" tmFilter="0,0; 0.14,0.36; 0.43,0.73; 0.71,0.91; 1.0,1.0">
+                                          <p:stCondLst>
+                                            <p:cond delay="0"/>
+                                          </p:stCondLst>
+                                        </p:cTn>
+                                        <p:tgtEl>
+                                          <p:spTgt spid="5">
+                                            <p:txEl>
+                                              <p:pRg st="2" end="2"/>
+                                            </p:txEl>
+                                          </p:spTgt>
+                                        </p:tgtEl>
+                                        <p:attrNameLst>
+                                          <p:attrName>ppt_x</p:attrName>
+                                        </p:attrNameLst>
+                                      </p:cBhvr>
+                                      <p:tavLst>
+                                        <p:tav tm="0">
+                                          <p:val>
+                                            <p:strVal val="#ppt_x-0.25"/>
+                                          </p:val>
+                                        </p:tav>
+                                        <p:tav tm="100000">
+                                          <p:val>
+                                            <p:strVal val="#ppt_x"/>
+                                          </p:val>
+                                        </p:tav>
+                                      </p:tavLst>
+                                    </p:anim>
+                                    <p:anim calcmode="lin" valueType="num">
+                                      <p:cBhvr>
+                                        <p:cTn id="49" dur="664" tmFilter="0.0,0.0; 0.25,0.07; 0.50,0.2; 0.75,0.467; 1.0,1.0">
+                                          <p:stCondLst>
+                                            <p:cond delay="0"/>
+                                          </p:stCondLst>
+                                        </p:cTn>
+                                        <p:tgtEl>
+                                          <p:spTgt spid="5">
+                                            <p:txEl>
+                                              <p:pRg st="2" end="2"/>
+                                            </p:txEl>
+                                          </p:spTgt>
+                                        </p:tgtEl>
+                                        <p:attrNameLst>
+                                          <p:attrName>ppt_y</p:attrName>
+                                        </p:attrNameLst>
+                                      </p:cBhvr>
+                                      <p:tavLst>
+                                        <p:tav tm="0" fmla="#ppt_y-sin(pi*$)/3">
+                                          <p:val>
+                                            <p:fltVal val="0.5"/>
+                                          </p:val>
+                                        </p:tav>
+                                        <p:tav tm="100000">
+                                          <p:val>
+                                            <p:fltVal val="1"/>
+                                          </p:val>
+                                        </p:tav>
+                                      </p:tavLst>
+                                    </p:anim>
+                                    <p:anim calcmode="lin" valueType="num">
+                                      <p:cBhvr>
+                                        <p:cTn id="50" dur="664" tmFilter="0, 0; 0.125,0.2665; 0.25,0.4; 0.375,0.465; 0.5,0.5;  0.625,0.535; 0.75,0.6; 0.875,0.7335; 1,1">
+                                          <p:stCondLst>
+                                            <p:cond delay="664"/>
+                                          </p:stCondLst>
+                                        </p:cTn>
+                                        <p:tgtEl>
+                                          <p:spTgt spid="5">
+                                            <p:txEl>
+                                              <p:pRg st="2" end="2"/>
+                                            </p:txEl>
+                                          </p:spTgt>
+                                        </p:tgtEl>
+                                        <p:attrNameLst>
+                                          <p:attrName>ppt_y</p:attrName>
+                                        </p:attrNameLst>
+                                      </p:cBhvr>
+                                      <p:tavLst>
+                                        <p:tav tm="0" fmla="#ppt_y-sin(pi*$)/9">
+                                          <p:val>
+                                            <p:fltVal val="0"/>
+                                          </p:val>
+                                        </p:tav>
+                                        <p:tav tm="100000">
+                                          <p:val>
+                                            <p:fltVal val="1"/>
+                                          </p:val>
+                                        </p:tav>
+                                      </p:tavLst>
+                                    </p:anim>
+                                    <p:anim calcmode="lin" valueType="num">
+                                      <p:cBhvr>
+                                        <p:cTn id="51" dur="332" tmFilter="0, 0; 0.125,0.2665; 0.25,0.4; 0.375,0.465; 0.5,0.5;  0.625,0.535; 0.75,0.6; 0.875,0.7335; 1,1">
+                                          <p:stCondLst>
+                                            <p:cond delay="1324"/>
+                                          </p:stCondLst>
+                                        </p:cTn>
+                                        <p:tgtEl>
+                                          <p:spTgt spid="5">
+                                            <p:txEl>
+                                              <p:pRg st="2" end="2"/>
+                                            </p:txEl>
+                                          </p:spTgt>
+                                        </p:tgtEl>
+                                        <p:attrNameLst>
+                                          <p:attrName>ppt_y</p:attrName>
+                                        </p:attrNameLst>
+                                      </p:cBhvr>
+                                      <p:tavLst>
+                                        <p:tav tm="0" fmla="#ppt_y-sin(pi*$)/27">
+                                          <p:val>
+                                            <p:fltVal val="0"/>
+                                          </p:val>
+                                        </p:tav>
+                                        <p:tav tm="100000">
+                                          <p:val>
+                                            <p:fltVal val="1"/>
+                                          </p:val>
+                                        </p:tav>
+                                      </p:tavLst>
+                                    </p:anim>
+                                    <p:anim calcmode="lin" valueType="num">
+                                      <p:cBhvr>
+                                        <p:cTn id="52" dur="164" tmFilter="0, 0; 0.125,0.2665; 0.25,0.4; 0.375,0.465; 0.5,0.5;  0.625,0.535; 0.75,0.6; 0.875,0.7335; 1,1">
+                                          <p:stCondLst>
+                                            <p:cond delay="1656"/>
+                                          </p:stCondLst>
+                                        </p:cTn>
+                                        <p:tgtEl>
+                                          <p:spTgt spid="5">
+                                            <p:txEl>
+                                              <p:pRg st="2" end="2"/>
+                                            </p:txEl>
+                                          </p:spTgt>
+                                        </p:tgtEl>
+                                        <p:attrNameLst>
+                                          <p:attrName>ppt_y</p:attrName>
+                                        </p:attrNameLst>
+                                      </p:cBhvr>
+                                      <p:tavLst>
+                                        <p:tav tm="0" fmla="#ppt_y-sin(pi*$)/81">
+                                          <p:val>
+                                            <p:fltVal val="0"/>
+                                          </p:val>
+                                        </p:tav>
+                                        <p:tav tm="100000">
+                                          <p:val>
+                                            <p:fltVal val="1"/>
+                                          </p:val>
+                                        </p:tav>
+                                      </p:tavLst>
+                                    </p:anim>
+                                    <p:animScale>
+                                      <p:cBhvr>
+                                        <p:cTn id="53" dur="26">
+                                          <p:stCondLst>
+                                            <p:cond delay="650"/>
+                                          </p:stCondLst>
+                                        </p:cTn>
+                                        <p:tgtEl>
+                                          <p:spTgt spid="5">
+                                            <p:txEl>
+                                              <p:pRg st="2" end="2"/>
+                                            </p:txEl>
+                                          </p:spTgt>
+                                        </p:tgtEl>
+                                      </p:cBhvr>
+                                      <p:to x="100000" y="60000"/>
+                                    </p:animScale>
+                                    <p:animScale>
+                                      <p:cBhvr>
+                                        <p:cTn id="54" dur="166" decel="50000">
+                                          <p:stCondLst>
+                                            <p:cond delay="676"/>
+                                          </p:stCondLst>
+                                        </p:cTn>
+                                        <p:tgtEl>
+                                          <p:spTgt spid="5">
+                                            <p:txEl>
+                                              <p:pRg st="2" end="2"/>
+                                            </p:txEl>
+                                          </p:spTgt>
+                                        </p:tgtEl>
+                                      </p:cBhvr>
+                                      <p:to x="100000" y="100000"/>
+                                    </p:animScale>
+                                    <p:animScale>
+                                      <p:cBhvr>
+                                        <p:cTn id="55" dur="26">
+                                          <p:stCondLst>
+                                            <p:cond delay="1312"/>
+                                          </p:stCondLst>
+                                        </p:cTn>
+                                        <p:tgtEl>
+                                          <p:spTgt spid="5">
+                                            <p:txEl>
+                                              <p:pRg st="2" end="2"/>
+                                            </p:txEl>
+                                          </p:spTgt>
+                                        </p:tgtEl>
+                                      </p:cBhvr>
+                                      <p:to x="100000" y="80000"/>
+                                    </p:animScale>
+                                    <p:animScale>
+                                      <p:cBhvr>
+                                        <p:cTn id="56" dur="166" decel="50000">
+                                          <p:stCondLst>
+                                            <p:cond delay="1338"/>
+                                          </p:stCondLst>
+                                        </p:cTn>
+                                        <p:tgtEl>
+                                          <p:spTgt spid="5">
+                                            <p:txEl>
+                                              <p:pRg st="2" end="2"/>
+                                            </p:txEl>
+                                          </p:spTgt>
+                                        </p:tgtEl>
+                                      </p:cBhvr>
+                                      <p:to x="100000" y="100000"/>
+                                    </p:animScale>
+                                    <p:animScale>
+                                      <p:cBhvr>
+                                        <p:cTn id="57" dur="26">
+                                          <p:stCondLst>
+                                            <p:cond delay="1642"/>
+                                          </p:stCondLst>
+                                        </p:cTn>
+                                        <p:tgtEl>
+                                          <p:spTgt spid="5">
+                                            <p:txEl>
+                                              <p:pRg st="2" end="2"/>
+                                            </p:txEl>
+                                          </p:spTgt>
+                                        </p:tgtEl>
+                                      </p:cBhvr>
+                                      <p:to x="100000" y="90000"/>
+                                    </p:animScale>
+                                    <p:animScale>
+                                      <p:cBhvr>
+                                        <p:cTn id="58" dur="166" decel="50000">
+                                          <p:stCondLst>
+                                            <p:cond delay="1668"/>
+                                          </p:stCondLst>
+                                        </p:cTn>
+                                        <p:tgtEl>
+                                          <p:spTgt spid="5">
+                                            <p:txEl>
+                                              <p:pRg st="2" end="2"/>
+                                            </p:txEl>
+                                          </p:spTgt>
+                                        </p:tgtEl>
+                                      </p:cBhvr>
+                                      <p:to x="100000" y="100000"/>
+                                    </p:animScale>
+                                    <p:animScale>
+                                      <p:cBhvr>
+                                        <p:cTn id="59" dur="26">
+                                          <p:stCondLst>
+                                            <p:cond delay="1808"/>
+                                          </p:stCondLst>
+                                        </p:cTn>
+                                        <p:tgtEl>
+                                          <p:spTgt spid="5">
+                                            <p:txEl>
+                                              <p:pRg st="2" end="2"/>
+                                            </p:txEl>
+                                          </p:spTgt>
+                                        </p:tgtEl>
+                                      </p:cBhvr>
+                                      <p:to x="100000" y="95000"/>
+                                    </p:animScale>
+                                    <p:animScale>
+                                      <p:cBhvr>
+                                        <p:cTn id="60" dur="166" decel="50000">
+                                          <p:stCondLst>
+                                            <p:cond delay="1834"/>
+                                          </p:stCondLst>
+                                        </p:cTn>
+                                        <p:tgtEl>
+                                          <p:spTgt spid="5">
+                                            <p:txEl>
+                                              <p:pRg st="2" end="2"/>
+                                            </p:txEl>
+                                          </p:spTgt>
+                                        </p:tgtEl>
+                                      </p:cBhvr>
+                                      <p:to x="100000" y="100000"/>
+                                    </p:animScale>
+                                  </p:childTnLst>
+                                </p:cTn>
+                              </p:par>
+                              <p:par>
+                                <p:cTn id="61" presetID="26" presetClass="entr" presetSubtype="0" fill="hold" nodeType="withEffect">
+                                  <p:stCondLst>
+                                    <p:cond delay="0"/>
+                                  </p:stCondLst>
+                                  <p:childTnLst>
+                                    <p:set>
+                                      <p:cBhvr>
+                                        <p:cTn id="62" dur="1" fill="hold">
+                                          <p:stCondLst>
+                                            <p:cond delay="0"/>
+                                          </p:stCondLst>
+                                        </p:cTn>
+                                        <p:tgtEl>
+                                          <p:spTgt spid="5">
+                                            <p:txEl>
+                                              <p:pRg st="3" end="3"/>
+                                            </p:txEl>
+                                          </p:spTgt>
+                                        </p:tgtEl>
+                                        <p:attrNameLst>
+                                          <p:attrName>style.visibility</p:attrName>
+                                        </p:attrNameLst>
+                                      </p:cBhvr>
+                                      <p:to>
+                                        <p:strVal val="visible"/>
+                                      </p:to>
+                                    </p:set>
+                                    <p:animEffect transition="in" filter="wipe(down)">
+                                      <p:cBhvr>
+                                        <p:cTn id="63" dur="580">
+                                          <p:stCondLst>
+                                            <p:cond delay="0"/>
+                                          </p:stCondLst>
+                                        </p:cTn>
+                                        <p:tgtEl>
+                                          <p:spTgt spid="5">
+                                            <p:txEl>
+                                              <p:pRg st="3" end="3"/>
+                                            </p:txEl>
+                                          </p:spTgt>
+                                        </p:tgtEl>
+                                      </p:cBhvr>
+                                    </p:animEffect>
+                                    <p:anim calcmode="lin" valueType="num">
+                                      <p:cBhvr>
+                                        <p:cTn id="64" dur="1822" tmFilter="0,0; 0.14,0.36; 0.43,0.73; 0.71,0.91; 1.0,1.0">
+                                          <p:stCondLst>
+                                            <p:cond delay="0"/>
+                                          </p:stCondLst>
+                                        </p:cTn>
+                                        <p:tgtEl>
+                                          <p:spTgt spid="5">
+                                            <p:txEl>
+                                              <p:pRg st="3" end="3"/>
+                                            </p:txEl>
+                                          </p:spTgt>
+                                        </p:tgtEl>
+                                        <p:attrNameLst>
+                                          <p:attrName>ppt_x</p:attrName>
+                                        </p:attrNameLst>
+                                      </p:cBhvr>
+                                      <p:tavLst>
+                                        <p:tav tm="0">
+                                          <p:val>
+                                            <p:strVal val="#ppt_x-0.25"/>
+                                          </p:val>
+                                        </p:tav>
+                                        <p:tav tm="100000">
+                                          <p:val>
+                                            <p:strVal val="#ppt_x"/>
+                                          </p:val>
+                                        </p:tav>
+                                      </p:tavLst>
+                                    </p:anim>
+                                    <p:anim calcmode="lin" valueType="num">
+                                      <p:cBhvr>
+                                        <p:cTn id="65" dur="664" tmFilter="0.0,0.0; 0.25,0.07; 0.50,0.2; 0.75,0.467; 1.0,1.0">
+                                          <p:stCondLst>
+                                            <p:cond delay="0"/>
+                                          </p:stCondLst>
+                                        </p:cTn>
+                                        <p:tgtEl>
+                                          <p:spTgt spid="5">
+                                            <p:txEl>
+                                              <p:pRg st="3" end="3"/>
+                                            </p:txEl>
+                                          </p:spTgt>
+                                        </p:tgtEl>
+                                        <p:attrNameLst>
+                                          <p:attrName>ppt_y</p:attrName>
+                                        </p:attrNameLst>
+                                      </p:cBhvr>
+                                      <p:tavLst>
+                                        <p:tav tm="0" fmla="#ppt_y-sin(pi*$)/3">
+                                          <p:val>
+                                            <p:fltVal val="0.5"/>
+                                          </p:val>
+                                        </p:tav>
+                                        <p:tav tm="100000">
+                                          <p:val>
+                                            <p:fltVal val="1"/>
+                                          </p:val>
+                                        </p:tav>
+                                      </p:tavLst>
+                                    </p:anim>
+                                    <p:anim calcmode="lin" valueType="num">
+                                      <p:cBhvr>
+                                        <p:cTn id="66" dur="664" tmFilter="0, 0; 0.125,0.2665; 0.25,0.4; 0.375,0.465; 0.5,0.5;  0.625,0.535; 0.75,0.6; 0.875,0.7335; 1,1">
+                                          <p:stCondLst>
+                                            <p:cond delay="664"/>
+                                          </p:stCondLst>
+                                        </p:cTn>
+                                        <p:tgtEl>
+                                          <p:spTgt spid="5">
+                                            <p:txEl>
+                                              <p:pRg st="3" end="3"/>
+                                            </p:txEl>
+                                          </p:spTgt>
+                                        </p:tgtEl>
+                                        <p:attrNameLst>
+                                          <p:attrName>ppt_y</p:attrName>
+                                        </p:attrNameLst>
+                                      </p:cBhvr>
+                                      <p:tavLst>
+                                        <p:tav tm="0" fmla="#ppt_y-sin(pi*$)/9">
+                                          <p:val>
+                                            <p:fltVal val="0"/>
+                                          </p:val>
+                                        </p:tav>
+                                        <p:tav tm="100000">
+                                          <p:val>
+                                            <p:fltVal val="1"/>
+                                          </p:val>
+                                        </p:tav>
+                                      </p:tavLst>
+                                    </p:anim>
+                                    <p:anim calcmode="lin" valueType="num">
+                                      <p:cBhvr>
+                                        <p:cTn id="67" dur="332" tmFilter="0, 0; 0.125,0.2665; 0.25,0.4; 0.375,0.465; 0.5,0.5;  0.625,0.535; 0.75,0.6; 0.875,0.7335; 1,1">
+                                          <p:stCondLst>
+                                            <p:cond delay="1324"/>
+                                          </p:stCondLst>
+                                        </p:cTn>
+                                        <p:tgtEl>
+                                          <p:spTgt spid="5">
+                                            <p:txEl>
+                                              <p:pRg st="3" end="3"/>
+                                            </p:txEl>
+                                          </p:spTgt>
+                                        </p:tgtEl>
+                                        <p:attrNameLst>
+                                          <p:attrName>ppt_y</p:attrName>
+                                        </p:attrNameLst>
+                                      </p:cBhvr>
+                                      <p:tavLst>
+                                        <p:tav tm="0" fmla="#ppt_y-sin(pi*$)/27">
+                                          <p:val>
+                                            <p:fltVal val="0"/>
+                                          </p:val>
+                                        </p:tav>
+                                        <p:tav tm="100000">
+                                          <p:val>
+                                            <p:fltVal val="1"/>
+                                          </p:val>
+                                        </p:tav>
+                                      </p:tavLst>
+                                    </p:anim>
+                                    <p:anim calcmode="lin" valueType="num">
+                                      <p:cBhvr>
+                                        <p:cTn id="68" dur="164" tmFilter="0, 0; 0.125,0.2665; 0.25,0.4; 0.375,0.465; 0.5,0.5;  0.625,0.535; 0.75,0.6; 0.875,0.7335; 1,1">
+                                          <p:stCondLst>
+                                            <p:cond delay="1656"/>
+                                          </p:stCondLst>
+                                        </p:cTn>
+                                        <p:tgtEl>
+                                          <p:spTgt spid="5">
+                                            <p:txEl>
+                                              <p:pRg st="3" end="3"/>
+                                            </p:txEl>
+                                          </p:spTgt>
+                                        </p:tgtEl>
+                                        <p:attrNameLst>
+                                          <p:attrName>ppt_y</p:attrName>
+                                        </p:attrNameLst>
+                                      </p:cBhvr>
+                                      <p:tavLst>
+                                        <p:tav tm="0" fmla="#ppt_y-sin(pi*$)/81">
+                                          <p:val>
+                                            <p:fltVal val="0"/>
+                                          </p:val>
+                                        </p:tav>
+                                        <p:tav tm="100000">
+                                          <p:val>
+                                            <p:fltVal val="1"/>
+                                          </p:val>
+                                        </p:tav>
+                                      </p:tavLst>
+                                    </p:anim>
+                                    <p:animScale>
+                                      <p:cBhvr>
+                                        <p:cTn id="69" dur="26">
+                                          <p:stCondLst>
+                                            <p:cond delay="650"/>
+                                          </p:stCondLst>
+                                        </p:cTn>
+                                        <p:tgtEl>
+                                          <p:spTgt spid="5">
+                                            <p:txEl>
+                                              <p:pRg st="3" end="3"/>
+                                            </p:txEl>
+                                          </p:spTgt>
+                                        </p:tgtEl>
+                                      </p:cBhvr>
+                                      <p:to x="100000" y="60000"/>
+                                    </p:animScale>
+                                    <p:animScale>
+                                      <p:cBhvr>
+                                        <p:cTn id="70" dur="166" decel="50000">
+                                          <p:stCondLst>
+                                            <p:cond delay="676"/>
+                                          </p:stCondLst>
+                                        </p:cTn>
+                                        <p:tgtEl>
+                                          <p:spTgt spid="5">
+                                            <p:txEl>
+                                              <p:pRg st="3" end="3"/>
+                                            </p:txEl>
+                                          </p:spTgt>
+                                        </p:tgtEl>
+                                      </p:cBhvr>
+                                      <p:to x="100000" y="100000"/>
+                                    </p:animScale>
+                                    <p:animScale>
+                                      <p:cBhvr>
+                                        <p:cTn id="71" dur="26">
+                                          <p:stCondLst>
+                                            <p:cond delay="1312"/>
+                                          </p:stCondLst>
+                                        </p:cTn>
+                                        <p:tgtEl>
+                                          <p:spTgt spid="5">
+                                            <p:txEl>
+                                              <p:pRg st="3" end="3"/>
+                                            </p:txEl>
+                                          </p:spTgt>
+                                        </p:tgtEl>
+                                      </p:cBhvr>
+                                      <p:to x="100000" y="80000"/>
+                                    </p:animScale>
+                                    <p:animScale>
+                                      <p:cBhvr>
+                                        <p:cTn id="72" dur="166" decel="50000">
+                                          <p:stCondLst>
+                                            <p:cond delay="1338"/>
+                                          </p:stCondLst>
+                                        </p:cTn>
+                                        <p:tgtEl>
+                                          <p:spTgt spid="5">
+                                            <p:txEl>
+                                              <p:pRg st="3" end="3"/>
+                                            </p:txEl>
+                                          </p:spTgt>
+                                        </p:tgtEl>
+                                      </p:cBhvr>
+                                      <p:to x="100000" y="100000"/>
+                                    </p:animScale>
+                                    <p:animScale>
+                                      <p:cBhvr>
+                                        <p:cTn id="73" dur="26">
+                                          <p:stCondLst>
+                                            <p:cond delay="1642"/>
+                                          </p:stCondLst>
+                                        </p:cTn>
+                                        <p:tgtEl>
+                                          <p:spTgt spid="5">
+                                            <p:txEl>
+                                              <p:pRg st="3" end="3"/>
+                                            </p:txEl>
+                                          </p:spTgt>
+                                        </p:tgtEl>
+                                      </p:cBhvr>
+                                      <p:to x="100000" y="90000"/>
+                                    </p:animScale>
+                                    <p:animScale>
+                                      <p:cBhvr>
+                                        <p:cTn id="74" dur="166" decel="50000">
+                                          <p:stCondLst>
+                                            <p:cond delay="1668"/>
+                                          </p:stCondLst>
+                                        </p:cTn>
+                                        <p:tgtEl>
+                                          <p:spTgt spid="5">
+                                            <p:txEl>
+                                              <p:pRg st="3" end="3"/>
+                                            </p:txEl>
+                                          </p:spTgt>
+                                        </p:tgtEl>
+                                      </p:cBhvr>
+                                      <p:to x="100000" y="100000"/>
+                                    </p:animScale>
+                                    <p:animScale>
+                                      <p:cBhvr>
+                                        <p:cTn id="75" dur="26">
+                                          <p:stCondLst>
+                                            <p:cond delay="1808"/>
+                                          </p:stCondLst>
+                                        </p:cTn>
+                                        <p:tgtEl>
+                                          <p:spTgt spid="5">
+                                            <p:txEl>
+                                              <p:pRg st="3" end="3"/>
+                                            </p:txEl>
+                                          </p:spTgt>
+                                        </p:tgtEl>
+                                      </p:cBhvr>
+                                      <p:to x="100000" y="95000"/>
+                                    </p:animScale>
+                                    <p:animScale>
+                                      <p:cBhvr>
+                                        <p:cTn id="76" dur="166" decel="50000">
+                                          <p:stCondLst>
+                                            <p:cond delay="1834"/>
+                                          </p:stCondLst>
+                                        </p:cTn>
+                                        <p:tgtEl>
+                                          <p:spTgt spid="5">
+                                            <p:txEl>
+                                              <p:pRg st="3" end="3"/>
+                                            </p:txEl>
+                                          </p:spTgt>
+                                        </p:tgtEl>
+                                      </p:cBhvr>
+                                      <p:to x="100000" y="100000"/>
+                                    </p:animScale>
+                                  </p:childTnLst>
+                                </p:cTn>
+                              </p:par>
+                            </p:childTnLst>
+                          </p:cTn>
+                        </p:par>
+                      </p:childTnLst>
+                    </p:cTn>
+                  </p:par>
+                </p:childTnLst>
+              </p:cTn>
+              <p:prevCondLst>
+                <p:cond evt="onPrev" delay="0">
+                  <p:tgtEl>
+                    <p:sldTgt/>
+                  </p:tgtEl>
+                </p:cond>
+              </p:prevCondLst>
+              <p:nextCondLst>
+                <p:cond evt="onNext" delay="0">
+                  <p:tgtEl>
+                    <p:sldTgt/>
+                  </p:tgtEl>
+                </p:cond>
+              </p:nextCondLst>
+            </p:seq>
+          </p:childTnLst>
+        </p:cTn>
+      </p:par>
+    </p:tnLst>
+    <p:bldLst>
+      <p:bldP spid="4" grpId="0"/>
+    </p:bldLst>
+  </p:timing>
 </p:sld>
 </file>
 
@@ -4078,6 +5777,664 @@
   <p:clrMapOvr>
     <a:masterClrMapping/>
   </p:clrMapOvr>
+  <p:timing>
+    <p:tnLst>
+      <p:par>
+        <p:cTn id="1" dur="indefinite" restart="never" nodeType="tmRoot">
+          <p:childTnLst>
+            <p:seq concurrent="1" nextAc="seek">
+              <p:cTn id="2" dur="indefinite" nodeType="mainSeq">
+                <p:childTnLst>
+                  <p:par>
+                    <p:cTn id="3" fill="hold">
+                      <p:stCondLst>
+                        <p:cond delay="indefinite"/>
+                      </p:stCondLst>
+                      <p:childTnLst>
+                        <p:par>
+                          <p:cTn id="4" fill="hold">
+                            <p:stCondLst>
+                              <p:cond delay="0"/>
+                            </p:stCondLst>
+                            <p:childTnLst>
+                              <p:par>
+                                <p:cTn id="5" presetID="31" presetClass="entr" presetSubtype="0" fill="hold" grpId="0" nodeType="clickEffect">
+                                  <p:stCondLst>
+                                    <p:cond delay="0"/>
+                                  </p:stCondLst>
+                                  <p:childTnLst>
+                                    <p:set>
+                                      <p:cBhvr>
+                                        <p:cTn id="6" dur="1" fill="hold">
+                                          <p:stCondLst>
+                                            <p:cond delay="0"/>
+                                          </p:stCondLst>
+                                        </p:cTn>
+                                        <p:tgtEl>
+                                          <p:spTgt spid="4"/>
+                                        </p:tgtEl>
+                                        <p:attrNameLst>
+                                          <p:attrName>style.visibility</p:attrName>
+                                        </p:attrNameLst>
+                                      </p:cBhvr>
+                                      <p:to>
+                                        <p:strVal val="visible"/>
+                                      </p:to>
+                                    </p:set>
+                                    <p:anim calcmode="lin" valueType="num">
+                                      <p:cBhvr>
+                                        <p:cTn id="7" dur="1000" fill="hold"/>
+                                        <p:tgtEl>
+                                          <p:spTgt spid="4"/>
+                                        </p:tgtEl>
+                                        <p:attrNameLst>
+                                          <p:attrName>ppt_w</p:attrName>
+                                        </p:attrNameLst>
+                                      </p:cBhvr>
+                                      <p:tavLst>
+                                        <p:tav tm="0">
+                                          <p:val>
+                                            <p:fltVal val="0"/>
+                                          </p:val>
+                                        </p:tav>
+                                        <p:tav tm="100000">
+                                          <p:val>
+                                            <p:strVal val="#ppt_w"/>
+                                          </p:val>
+                                        </p:tav>
+                                      </p:tavLst>
+                                    </p:anim>
+                                    <p:anim calcmode="lin" valueType="num">
+                                      <p:cBhvr>
+                                        <p:cTn id="8" dur="1000" fill="hold"/>
+                                        <p:tgtEl>
+                                          <p:spTgt spid="4"/>
+                                        </p:tgtEl>
+                                        <p:attrNameLst>
+                                          <p:attrName>ppt_h</p:attrName>
+                                        </p:attrNameLst>
+                                      </p:cBhvr>
+                                      <p:tavLst>
+                                        <p:tav tm="0">
+                                          <p:val>
+                                            <p:fltVal val="0"/>
+                                          </p:val>
+                                        </p:tav>
+                                        <p:tav tm="100000">
+                                          <p:val>
+                                            <p:strVal val="#ppt_h"/>
+                                          </p:val>
+                                        </p:tav>
+                                      </p:tavLst>
+                                    </p:anim>
+                                    <p:anim calcmode="lin" valueType="num">
+                                      <p:cBhvr>
+                                        <p:cTn id="9" dur="1000" fill="hold"/>
+                                        <p:tgtEl>
+                                          <p:spTgt spid="4"/>
+                                        </p:tgtEl>
+                                        <p:attrNameLst>
+                                          <p:attrName>style.rotation</p:attrName>
+                                        </p:attrNameLst>
+                                      </p:cBhvr>
+                                      <p:tavLst>
+                                        <p:tav tm="0">
+                                          <p:val>
+                                            <p:fltVal val="90"/>
+                                          </p:val>
+                                        </p:tav>
+                                        <p:tav tm="100000">
+                                          <p:val>
+                                            <p:fltVal val="0"/>
+                                          </p:val>
+                                        </p:tav>
+                                      </p:tavLst>
+                                    </p:anim>
+                                    <p:animEffect transition="in" filter="fade">
+                                      <p:cBhvr>
+                                        <p:cTn id="10" dur="1000"/>
+                                        <p:tgtEl>
+                                          <p:spTgt spid="4"/>
+                                        </p:tgtEl>
+                                      </p:cBhvr>
+                                    </p:animEffect>
+                                  </p:childTnLst>
+                                </p:cTn>
+                              </p:par>
+                            </p:childTnLst>
+                          </p:cTn>
+                        </p:par>
+                      </p:childTnLst>
+                    </p:cTn>
+                  </p:par>
+                  <p:par>
+                    <p:cTn id="11" fill="hold">
+                      <p:stCondLst>
+                        <p:cond delay="indefinite"/>
+                      </p:stCondLst>
+                      <p:childTnLst>
+                        <p:par>
+                          <p:cTn id="12" fill="hold">
+                            <p:stCondLst>
+                              <p:cond delay="0"/>
+                            </p:stCondLst>
+                            <p:childTnLst>
+                              <p:par>
+                                <p:cTn id="13" presetID="42" presetClass="entr" presetSubtype="0" fill="hold" nodeType="clickEffect">
+                                  <p:stCondLst>
+                                    <p:cond delay="0"/>
+                                  </p:stCondLst>
+                                  <p:childTnLst>
+                                    <p:set>
+                                      <p:cBhvr>
+                                        <p:cTn id="14" dur="1" fill="hold">
+                                          <p:stCondLst>
+                                            <p:cond delay="0"/>
+                                          </p:stCondLst>
+                                        </p:cTn>
+                                        <p:tgtEl>
+                                          <p:spTgt spid="5">
+                                            <p:txEl>
+                                              <p:pRg st="0" end="0"/>
+                                            </p:txEl>
+                                          </p:spTgt>
+                                        </p:tgtEl>
+                                        <p:attrNameLst>
+                                          <p:attrName>style.visibility</p:attrName>
+                                        </p:attrNameLst>
+                                      </p:cBhvr>
+                                      <p:to>
+                                        <p:strVal val="visible"/>
+                                      </p:to>
+                                    </p:set>
+                                    <p:animEffect transition="in" filter="fade">
+                                      <p:cBhvr>
+                                        <p:cTn id="15" dur="1000"/>
+                                        <p:tgtEl>
+                                          <p:spTgt spid="5">
+                                            <p:txEl>
+                                              <p:pRg st="0" end="0"/>
+                                            </p:txEl>
+                                          </p:spTgt>
+                                        </p:tgtEl>
+                                      </p:cBhvr>
+                                    </p:animEffect>
+                                    <p:anim calcmode="lin" valueType="num">
+                                      <p:cBhvr>
+                                        <p:cTn id="16" dur="1000" fill="hold"/>
+                                        <p:tgtEl>
+                                          <p:spTgt spid="5">
+                                            <p:txEl>
+                                              <p:pRg st="0" end="0"/>
+                                            </p:txEl>
+                                          </p:spTgt>
+                                        </p:tgtEl>
+                                        <p:attrNameLst>
+                                          <p:attrName>ppt_x</p:attrName>
+                                        </p:attrNameLst>
+                                      </p:cBhvr>
+                                      <p:tavLst>
+                                        <p:tav tm="0">
+                                          <p:val>
+                                            <p:strVal val="#ppt_x"/>
+                                          </p:val>
+                                        </p:tav>
+                                        <p:tav tm="100000">
+                                          <p:val>
+                                            <p:strVal val="#ppt_x"/>
+                                          </p:val>
+                                        </p:tav>
+                                      </p:tavLst>
+                                    </p:anim>
+                                    <p:anim calcmode="lin" valueType="num">
+                                      <p:cBhvr>
+                                        <p:cTn id="17" dur="1000" fill="hold"/>
+                                        <p:tgtEl>
+                                          <p:spTgt spid="5">
+                                            <p:txEl>
+                                              <p:pRg st="0" end="0"/>
+                                            </p:txEl>
+                                          </p:spTgt>
+                                        </p:tgtEl>
+                                        <p:attrNameLst>
+                                          <p:attrName>ppt_y</p:attrName>
+                                        </p:attrNameLst>
+                                      </p:cBhvr>
+                                      <p:tavLst>
+                                        <p:tav tm="0">
+                                          <p:val>
+                                            <p:strVal val="#ppt_y+.1"/>
+                                          </p:val>
+                                        </p:tav>
+                                        <p:tav tm="100000">
+                                          <p:val>
+                                            <p:strVal val="#ppt_y"/>
+                                          </p:val>
+                                        </p:tav>
+                                      </p:tavLst>
+                                    </p:anim>
+                                  </p:childTnLst>
+                                </p:cTn>
+                              </p:par>
+                              <p:par>
+                                <p:cTn id="18" presetID="42" presetClass="entr" presetSubtype="0" fill="hold" nodeType="withEffect">
+                                  <p:stCondLst>
+                                    <p:cond delay="0"/>
+                                  </p:stCondLst>
+                                  <p:childTnLst>
+                                    <p:set>
+                                      <p:cBhvr>
+                                        <p:cTn id="19" dur="1" fill="hold">
+                                          <p:stCondLst>
+                                            <p:cond delay="0"/>
+                                          </p:stCondLst>
+                                        </p:cTn>
+                                        <p:tgtEl>
+                                          <p:spTgt spid="5">
+                                            <p:txEl>
+                                              <p:pRg st="1" end="1"/>
+                                            </p:txEl>
+                                          </p:spTgt>
+                                        </p:tgtEl>
+                                        <p:attrNameLst>
+                                          <p:attrName>style.visibility</p:attrName>
+                                        </p:attrNameLst>
+                                      </p:cBhvr>
+                                      <p:to>
+                                        <p:strVal val="visible"/>
+                                      </p:to>
+                                    </p:set>
+                                    <p:animEffect transition="in" filter="fade">
+                                      <p:cBhvr>
+                                        <p:cTn id="20" dur="1000"/>
+                                        <p:tgtEl>
+                                          <p:spTgt spid="5">
+                                            <p:txEl>
+                                              <p:pRg st="1" end="1"/>
+                                            </p:txEl>
+                                          </p:spTgt>
+                                        </p:tgtEl>
+                                      </p:cBhvr>
+                                    </p:animEffect>
+                                    <p:anim calcmode="lin" valueType="num">
+                                      <p:cBhvr>
+                                        <p:cTn id="21" dur="1000" fill="hold"/>
+                                        <p:tgtEl>
+                                          <p:spTgt spid="5">
+                                            <p:txEl>
+                                              <p:pRg st="1" end="1"/>
+                                            </p:txEl>
+                                          </p:spTgt>
+                                        </p:tgtEl>
+                                        <p:attrNameLst>
+                                          <p:attrName>ppt_x</p:attrName>
+                                        </p:attrNameLst>
+                                      </p:cBhvr>
+                                      <p:tavLst>
+                                        <p:tav tm="0">
+                                          <p:val>
+                                            <p:strVal val="#ppt_x"/>
+                                          </p:val>
+                                        </p:tav>
+                                        <p:tav tm="100000">
+                                          <p:val>
+                                            <p:strVal val="#ppt_x"/>
+                                          </p:val>
+                                        </p:tav>
+                                      </p:tavLst>
+                                    </p:anim>
+                                    <p:anim calcmode="lin" valueType="num">
+                                      <p:cBhvr>
+                                        <p:cTn id="22" dur="1000" fill="hold"/>
+                                        <p:tgtEl>
+                                          <p:spTgt spid="5">
+                                            <p:txEl>
+                                              <p:pRg st="1" end="1"/>
+                                            </p:txEl>
+                                          </p:spTgt>
+                                        </p:tgtEl>
+                                        <p:attrNameLst>
+                                          <p:attrName>ppt_y</p:attrName>
+                                        </p:attrNameLst>
+                                      </p:cBhvr>
+                                      <p:tavLst>
+                                        <p:tav tm="0">
+                                          <p:val>
+                                            <p:strVal val="#ppt_y+.1"/>
+                                          </p:val>
+                                        </p:tav>
+                                        <p:tav tm="100000">
+                                          <p:val>
+                                            <p:strVal val="#ppt_y"/>
+                                          </p:val>
+                                        </p:tav>
+                                      </p:tavLst>
+                                    </p:anim>
+                                  </p:childTnLst>
+                                </p:cTn>
+                              </p:par>
+                              <p:par>
+                                <p:cTn id="23" presetID="42" presetClass="entr" presetSubtype="0" fill="hold" nodeType="withEffect">
+                                  <p:stCondLst>
+                                    <p:cond delay="0"/>
+                                  </p:stCondLst>
+                                  <p:childTnLst>
+                                    <p:set>
+                                      <p:cBhvr>
+                                        <p:cTn id="24" dur="1" fill="hold">
+                                          <p:stCondLst>
+                                            <p:cond delay="0"/>
+                                          </p:stCondLst>
+                                        </p:cTn>
+                                        <p:tgtEl>
+                                          <p:spTgt spid="5">
+                                            <p:txEl>
+                                              <p:pRg st="2" end="2"/>
+                                            </p:txEl>
+                                          </p:spTgt>
+                                        </p:tgtEl>
+                                        <p:attrNameLst>
+                                          <p:attrName>style.visibility</p:attrName>
+                                        </p:attrNameLst>
+                                      </p:cBhvr>
+                                      <p:to>
+                                        <p:strVal val="visible"/>
+                                      </p:to>
+                                    </p:set>
+                                    <p:animEffect transition="in" filter="fade">
+                                      <p:cBhvr>
+                                        <p:cTn id="25" dur="1000"/>
+                                        <p:tgtEl>
+                                          <p:spTgt spid="5">
+                                            <p:txEl>
+                                              <p:pRg st="2" end="2"/>
+                                            </p:txEl>
+                                          </p:spTgt>
+                                        </p:tgtEl>
+                                      </p:cBhvr>
+                                    </p:animEffect>
+                                    <p:anim calcmode="lin" valueType="num">
+                                      <p:cBhvr>
+                                        <p:cTn id="26" dur="1000" fill="hold"/>
+                                        <p:tgtEl>
+                                          <p:spTgt spid="5">
+                                            <p:txEl>
+                                              <p:pRg st="2" end="2"/>
+                                            </p:txEl>
+                                          </p:spTgt>
+                                        </p:tgtEl>
+                                        <p:attrNameLst>
+                                          <p:attrName>ppt_x</p:attrName>
+                                        </p:attrNameLst>
+                                      </p:cBhvr>
+                                      <p:tavLst>
+                                        <p:tav tm="0">
+                                          <p:val>
+                                            <p:strVal val="#ppt_x"/>
+                                          </p:val>
+                                        </p:tav>
+                                        <p:tav tm="100000">
+                                          <p:val>
+                                            <p:strVal val="#ppt_x"/>
+                                          </p:val>
+                                        </p:tav>
+                                      </p:tavLst>
+                                    </p:anim>
+                                    <p:anim calcmode="lin" valueType="num">
+                                      <p:cBhvr>
+                                        <p:cTn id="27" dur="1000" fill="hold"/>
+                                        <p:tgtEl>
+                                          <p:spTgt spid="5">
+                                            <p:txEl>
+                                              <p:pRg st="2" end="2"/>
+                                            </p:txEl>
+                                          </p:spTgt>
+                                        </p:tgtEl>
+                                        <p:attrNameLst>
+                                          <p:attrName>ppt_y</p:attrName>
+                                        </p:attrNameLst>
+                                      </p:cBhvr>
+                                      <p:tavLst>
+                                        <p:tav tm="0">
+                                          <p:val>
+                                            <p:strVal val="#ppt_y+.1"/>
+                                          </p:val>
+                                        </p:tav>
+                                        <p:tav tm="100000">
+                                          <p:val>
+                                            <p:strVal val="#ppt_y"/>
+                                          </p:val>
+                                        </p:tav>
+                                      </p:tavLst>
+                                    </p:anim>
+                                  </p:childTnLst>
+                                </p:cTn>
+                              </p:par>
+                              <p:par>
+                                <p:cTn id="28" presetID="42" presetClass="entr" presetSubtype="0" fill="hold" nodeType="withEffect">
+                                  <p:stCondLst>
+                                    <p:cond delay="0"/>
+                                  </p:stCondLst>
+                                  <p:childTnLst>
+                                    <p:set>
+                                      <p:cBhvr>
+                                        <p:cTn id="29" dur="1" fill="hold">
+                                          <p:stCondLst>
+                                            <p:cond delay="0"/>
+                                          </p:stCondLst>
+                                        </p:cTn>
+                                        <p:tgtEl>
+                                          <p:spTgt spid="5">
+                                            <p:txEl>
+                                              <p:pRg st="3" end="3"/>
+                                            </p:txEl>
+                                          </p:spTgt>
+                                        </p:tgtEl>
+                                        <p:attrNameLst>
+                                          <p:attrName>style.visibility</p:attrName>
+                                        </p:attrNameLst>
+                                      </p:cBhvr>
+                                      <p:to>
+                                        <p:strVal val="visible"/>
+                                      </p:to>
+                                    </p:set>
+                                    <p:animEffect transition="in" filter="fade">
+                                      <p:cBhvr>
+                                        <p:cTn id="30" dur="1000"/>
+                                        <p:tgtEl>
+                                          <p:spTgt spid="5">
+                                            <p:txEl>
+                                              <p:pRg st="3" end="3"/>
+                                            </p:txEl>
+                                          </p:spTgt>
+                                        </p:tgtEl>
+                                      </p:cBhvr>
+                                    </p:animEffect>
+                                    <p:anim calcmode="lin" valueType="num">
+                                      <p:cBhvr>
+                                        <p:cTn id="31" dur="1000" fill="hold"/>
+                                        <p:tgtEl>
+                                          <p:spTgt spid="5">
+                                            <p:txEl>
+                                              <p:pRg st="3" end="3"/>
+                                            </p:txEl>
+                                          </p:spTgt>
+                                        </p:tgtEl>
+                                        <p:attrNameLst>
+                                          <p:attrName>ppt_x</p:attrName>
+                                        </p:attrNameLst>
+                                      </p:cBhvr>
+                                      <p:tavLst>
+                                        <p:tav tm="0">
+                                          <p:val>
+                                            <p:strVal val="#ppt_x"/>
+                                          </p:val>
+                                        </p:tav>
+                                        <p:tav tm="100000">
+                                          <p:val>
+                                            <p:strVal val="#ppt_x"/>
+                                          </p:val>
+                                        </p:tav>
+                                      </p:tavLst>
+                                    </p:anim>
+                                    <p:anim calcmode="lin" valueType="num">
+                                      <p:cBhvr>
+                                        <p:cTn id="32" dur="1000" fill="hold"/>
+                                        <p:tgtEl>
+                                          <p:spTgt spid="5">
+                                            <p:txEl>
+                                              <p:pRg st="3" end="3"/>
+                                            </p:txEl>
+                                          </p:spTgt>
+                                        </p:tgtEl>
+                                        <p:attrNameLst>
+                                          <p:attrName>ppt_y</p:attrName>
+                                        </p:attrNameLst>
+                                      </p:cBhvr>
+                                      <p:tavLst>
+                                        <p:tav tm="0">
+                                          <p:val>
+                                            <p:strVal val="#ppt_y+.1"/>
+                                          </p:val>
+                                        </p:tav>
+                                        <p:tav tm="100000">
+                                          <p:val>
+                                            <p:strVal val="#ppt_y"/>
+                                          </p:val>
+                                        </p:tav>
+                                      </p:tavLst>
+                                    </p:anim>
+                                  </p:childTnLst>
+                                </p:cTn>
+                              </p:par>
+                              <p:par>
+                                <p:cTn id="33" presetID="42" presetClass="entr" presetSubtype="0" fill="hold" nodeType="withEffect">
+                                  <p:stCondLst>
+                                    <p:cond delay="0"/>
+                                  </p:stCondLst>
+                                  <p:childTnLst>
+                                    <p:set>
+                                      <p:cBhvr>
+                                        <p:cTn id="34" dur="1" fill="hold">
+                                          <p:stCondLst>
+                                            <p:cond delay="0"/>
+                                          </p:stCondLst>
+                                        </p:cTn>
+                                        <p:tgtEl>
+                                          <p:spTgt spid="5">
+                                            <p:txEl>
+                                              <p:pRg st="4" end="4"/>
+                                            </p:txEl>
+                                          </p:spTgt>
+                                        </p:tgtEl>
+                                        <p:attrNameLst>
+                                          <p:attrName>style.visibility</p:attrName>
+                                        </p:attrNameLst>
+                                      </p:cBhvr>
+                                      <p:to>
+                                        <p:strVal val="visible"/>
+                                      </p:to>
+                                    </p:set>
+                                    <p:animEffect transition="in" filter="fade">
+                                      <p:cBhvr>
+                                        <p:cTn id="35" dur="1000"/>
+                                        <p:tgtEl>
+                                          <p:spTgt spid="5">
+                                            <p:txEl>
+                                              <p:pRg st="4" end="4"/>
+                                            </p:txEl>
+                                          </p:spTgt>
+                                        </p:tgtEl>
+                                      </p:cBhvr>
+                                    </p:animEffect>
+                                    <p:anim calcmode="lin" valueType="num">
+                                      <p:cBhvr>
+                                        <p:cTn id="36" dur="1000" fill="hold"/>
+                                        <p:tgtEl>
+                                          <p:spTgt spid="5">
+                                            <p:txEl>
+                                              <p:pRg st="4" end="4"/>
+                                            </p:txEl>
+                                          </p:spTgt>
+                                        </p:tgtEl>
+                                        <p:attrNameLst>
+                                          <p:attrName>ppt_x</p:attrName>
+                                        </p:attrNameLst>
+                                      </p:cBhvr>
+                                      <p:tavLst>
+                                        <p:tav tm="0">
+                                          <p:val>
+                                            <p:strVal val="#ppt_x"/>
+                                          </p:val>
+                                        </p:tav>
+                                        <p:tav tm="100000">
+                                          <p:val>
+                                            <p:strVal val="#ppt_x"/>
+                                          </p:val>
+                                        </p:tav>
+                                      </p:tavLst>
+                                    </p:anim>
+                                    <p:anim calcmode="lin" valueType="num">
+                                      <p:cBhvr>
+                                        <p:cTn id="37" dur="1000" fill="hold"/>
+                                        <p:tgtEl>
+                                          <p:spTgt spid="5">
+                                            <p:txEl>
+                                              <p:pRg st="4" end="4"/>
+                                            </p:txEl>
+                                          </p:spTgt>
+                                        </p:tgtEl>
+                                        <p:attrNameLst>
+                                          <p:attrName>ppt_y</p:attrName>
+                                        </p:attrNameLst>
+                                      </p:cBhvr>
+                                      <p:tavLst>
+                                        <p:tav tm="0">
+                                          <p:val>
+                                            <p:strVal val="#ppt_y+.1"/>
+                                          </p:val>
+                                        </p:tav>
+                                        <p:tav tm="100000">
+                                          <p:val>
+                                            <p:strVal val="#ppt_y"/>
+                                          </p:val>
+                                        </p:tav>
+                                      </p:tavLst>
+                                    </p:anim>
+                                  </p:childTnLst>
+                                </p:cTn>
+                              </p:par>
+                            </p:childTnLst>
+                          </p:cTn>
+                        </p:par>
+                      </p:childTnLst>
+                    </p:cTn>
+                  </p:par>
+                </p:childTnLst>
+              </p:cTn>
+              <p:prevCondLst>
+                <p:cond evt="onPrev" delay="0">
+                  <p:tgtEl>
+                    <p:sldTgt/>
+                  </p:tgtEl>
+                </p:cond>
+              </p:prevCondLst>
+              <p:nextCondLst>
+                <p:cond evt="onNext" delay="0">
+                  <p:tgtEl>
+                    <p:sldTgt/>
+                  </p:tgtEl>
+                </p:cond>
+              </p:nextCondLst>
+            </p:seq>
+          </p:childTnLst>
+        </p:cTn>
+      </p:par>
+    </p:tnLst>
+    <p:bldLst>
+      <p:bldP spid="4" grpId="0"/>
+    </p:bldLst>
+  </p:timing>
 </p:sld>
 </file>
 
@@ -4382,6 +6739,351 @@
   <p:clrMapOvr>
     <a:masterClrMapping/>
   </p:clrMapOvr>
+  <p:timing>
+    <p:tnLst>
+      <p:par>
+        <p:cTn id="1" dur="indefinite" restart="never" nodeType="tmRoot">
+          <p:childTnLst>
+            <p:seq concurrent="1" nextAc="seek">
+              <p:cTn id="2" dur="indefinite" nodeType="mainSeq">
+                <p:childTnLst>
+                  <p:par>
+                    <p:cTn id="3" fill="hold">
+                      <p:stCondLst>
+                        <p:cond delay="indefinite"/>
+                      </p:stCondLst>
+                      <p:childTnLst>
+                        <p:par>
+                          <p:cTn id="4" fill="hold">
+                            <p:stCondLst>
+                              <p:cond delay="0"/>
+                            </p:stCondLst>
+                            <p:childTnLst>
+                              <p:par>
+                                <p:cTn id="5" presetID="31" presetClass="entr" presetSubtype="0" fill="hold" grpId="0" nodeType="clickEffect">
+                                  <p:stCondLst>
+                                    <p:cond delay="0"/>
+                                  </p:stCondLst>
+                                  <p:childTnLst>
+                                    <p:set>
+                                      <p:cBhvr>
+                                        <p:cTn id="6" dur="1" fill="hold">
+                                          <p:stCondLst>
+                                            <p:cond delay="0"/>
+                                          </p:stCondLst>
+                                        </p:cTn>
+                                        <p:tgtEl>
+                                          <p:spTgt spid="4"/>
+                                        </p:tgtEl>
+                                        <p:attrNameLst>
+                                          <p:attrName>style.visibility</p:attrName>
+                                        </p:attrNameLst>
+                                      </p:cBhvr>
+                                      <p:to>
+                                        <p:strVal val="visible"/>
+                                      </p:to>
+                                    </p:set>
+                                    <p:anim calcmode="lin" valueType="num">
+                                      <p:cBhvr>
+                                        <p:cTn id="7" dur="1000" fill="hold"/>
+                                        <p:tgtEl>
+                                          <p:spTgt spid="4"/>
+                                        </p:tgtEl>
+                                        <p:attrNameLst>
+                                          <p:attrName>ppt_w</p:attrName>
+                                        </p:attrNameLst>
+                                      </p:cBhvr>
+                                      <p:tavLst>
+                                        <p:tav tm="0">
+                                          <p:val>
+                                            <p:fltVal val="0"/>
+                                          </p:val>
+                                        </p:tav>
+                                        <p:tav tm="100000">
+                                          <p:val>
+                                            <p:strVal val="#ppt_w"/>
+                                          </p:val>
+                                        </p:tav>
+                                      </p:tavLst>
+                                    </p:anim>
+                                    <p:anim calcmode="lin" valueType="num">
+                                      <p:cBhvr>
+                                        <p:cTn id="8" dur="1000" fill="hold"/>
+                                        <p:tgtEl>
+                                          <p:spTgt spid="4"/>
+                                        </p:tgtEl>
+                                        <p:attrNameLst>
+                                          <p:attrName>ppt_h</p:attrName>
+                                        </p:attrNameLst>
+                                      </p:cBhvr>
+                                      <p:tavLst>
+                                        <p:tav tm="0">
+                                          <p:val>
+                                            <p:fltVal val="0"/>
+                                          </p:val>
+                                        </p:tav>
+                                        <p:tav tm="100000">
+                                          <p:val>
+                                            <p:strVal val="#ppt_h"/>
+                                          </p:val>
+                                        </p:tav>
+                                      </p:tavLst>
+                                    </p:anim>
+                                    <p:anim calcmode="lin" valueType="num">
+                                      <p:cBhvr>
+                                        <p:cTn id="9" dur="1000" fill="hold"/>
+                                        <p:tgtEl>
+                                          <p:spTgt spid="4"/>
+                                        </p:tgtEl>
+                                        <p:attrNameLst>
+                                          <p:attrName>style.rotation</p:attrName>
+                                        </p:attrNameLst>
+                                      </p:cBhvr>
+                                      <p:tavLst>
+                                        <p:tav tm="0">
+                                          <p:val>
+                                            <p:fltVal val="90"/>
+                                          </p:val>
+                                        </p:tav>
+                                        <p:tav tm="100000">
+                                          <p:val>
+                                            <p:fltVal val="0"/>
+                                          </p:val>
+                                        </p:tav>
+                                      </p:tavLst>
+                                    </p:anim>
+                                    <p:animEffect transition="in" filter="fade">
+                                      <p:cBhvr>
+                                        <p:cTn id="10" dur="1000"/>
+                                        <p:tgtEl>
+                                          <p:spTgt spid="4"/>
+                                        </p:tgtEl>
+                                      </p:cBhvr>
+                                    </p:animEffect>
+                                  </p:childTnLst>
+                                </p:cTn>
+                              </p:par>
+                            </p:childTnLst>
+                          </p:cTn>
+                        </p:par>
+                      </p:childTnLst>
+                    </p:cTn>
+                  </p:par>
+                  <p:par>
+                    <p:cTn id="11" fill="hold">
+                      <p:stCondLst>
+                        <p:cond delay="indefinite"/>
+                      </p:stCondLst>
+                      <p:childTnLst>
+                        <p:par>
+                          <p:cTn id="12" fill="hold">
+                            <p:stCondLst>
+                              <p:cond delay="0"/>
+                            </p:stCondLst>
+                            <p:childTnLst>
+                              <p:par>
+                                <p:cTn id="13" presetID="6" presetClass="entr" presetSubtype="16" fill="hold" nodeType="clickEffect">
+                                  <p:stCondLst>
+                                    <p:cond delay="0"/>
+                                  </p:stCondLst>
+                                  <p:childTnLst>
+                                    <p:set>
+                                      <p:cBhvr>
+                                        <p:cTn id="14" dur="1" fill="hold">
+                                          <p:stCondLst>
+                                            <p:cond delay="0"/>
+                                          </p:stCondLst>
+                                        </p:cTn>
+                                        <p:tgtEl>
+                                          <p:spTgt spid="5">
+                                            <p:txEl>
+                                              <p:pRg st="0" end="0"/>
+                                            </p:txEl>
+                                          </p:spTgt>
+                                        </p:tgtEl>
+                                        <p:attrNameLst>
+                                          <p:attrName>style.visibility</p:attrName>
+                                        </p:attrNameLst>
+                                      </p:cBhvr>
+                                      <p:to>
+                                        <p:strVal val="visible"/>
+                                      </p:to>
+                                    </p:set>
+                                    <p:animEffect transition="in" filter="circle(in)">
+                                      <p:cBhvr>
+                                        <p:cTn id="15" dur="2000"/>
+                                        <p:tgtEl>
+                                          <p:spTgt spid="5">
+                                            <p:txEl>
+                                              <p:pRg st="0" end="0"/>
+                                            </p:txEl>
+                                          </p:spTgt>
+                                        </p:tgtEl>
+                                      </p:cBhvr>
+                                    </p:animEffect>
+                                  </p:childTnLst>
+                                </p:cTn>
+                              </p:par>
+                              <p:par>
+                                <p:cTn id="16" presetID="6" presetClass="entr" presetSubtype="16" fill="hold" nodeType="withEffect">
+                                  <p:stCondLst>
+                                    <p:cond delay="0"/>
+                                  </p:stCondLst>
+                                  <p:childTnLst>
+                                    <p:set>
+                                      <p:cBhvr>
+                                        <p:cTn id="17" dur="1" fill="hold">
+                                          <p:stCondLst>
+                                            <p:cond delay="0"/>
+                                          </p:stCondLst>
+                                        </p:cTn>
+                                        <p:tgtEl>
+                                          <p:spTgt spid="5">
+                                            <p:txEl>
+                                              <p:pRg st="1" end="1"/>
+                                            </p:txEl>
+                                          </p:spTgt>
+                                        </p:tgtEl>
+                                        <p:attrNameLst>
+                                          <p:attrName>style.visibility</p:attrName>
+                                        </p:attrNameLst>
+                                      </p:cBhvr>
+                                      <p:to>
+                                        <p:strVal val="visible"/>
+                                      </p:to>
+                                    </p:set>
+                                    <p:animEffect transition="in" filter="circle(in)">
+                                      <p:cBhvr>
+                                        <p:cTn id="18" dur="2000"/>
+                                        <p:tgtEl>
+                                          <p:spTgt spid="5">
+                                            <p:txEl>
+                                              <p:pRg st="1" end="1"/>
+                                            </p:txEl>
+                                          </p:spTgt>
+                                        </p:tgtEl>
+                                      </p:cBhvr>
+                                    </p:animEffect>
+                                  </p:childTnLst>
+                                </p:cTn>
+                              </p:par>
+                              <p:par>
+                                <p:cTn id="19" presetID="6" presetClass="entr" presetSubtype="16" fill="hold" nodeType="withEffect">
+                                  <p:stCondLst>
+                                    <p:cond delay="0"/>
+                                  </p:stCondLst>
+                                  <p:childTnLst>
+                                    <p:set>
+                                      <p:cBhvr>
+                                        <p:cTn id="20" dur="1" fill="hold">
+                                          <p:stCondLst>
+                                            <p:cond delay="0"/>
+                                          </p:stCondLst>
+                                        </p:cTn>
+                                        <p:tgtEl>
+                                          <p:spTgt spid="5">
+                                            <p:txEl>
+                                              <p:pRg st="2" end="2"/>
+                                            </p:txEl>
+                                          </p:spTgt>
+                                        </p:tgtEl>
+                                        <p:attrNameLst>
+                                          <p:attrName>style.visibility</p:attrName>
+                                        </p:attrNameLst>
+                                      </p:cBhvr>
+                                      <p:to>
+                                        <p:strVal val="visible"/>
+                                      </p:to>
+                                    </p:set>
+                                    <p:animEffect transition="in" filter="circle(in)">
+                                      <p:cBhvr>
+                                        <p:cTn id="21" dur="2000"/>
+                                        <p:tgtEl>
+                                          <p:spTgt spid="5">
+                                            <p:txEl>
+                                              <p:pRg st="2" end="2"/>
+                                            </p:txEl>
+                                          </p:spTgt>
+                                        </p:tgtEl>
+                                      </p:cBhvr>
+                                    </p:animEffect>
+                                  </p:childTnLst>
+                                </p:cTn>
+                              </p:par>
+                              <p:par>
+                                <p:cTn id="22" presetID="6" presetClass="entr" presetSubtype="16" fill="hold" nodeType="withEffect">
+                                  <p:stCondLst>
+                                    <p:cond delay="0"/>
+                                  </p:stCondLst>
+                                  <p:childTnLst>
+                                    <p:set>
+                                      <p:cBhvr>
+                                        <p:cTn id="23" dur="1" fill="hold">
+                                          <p:stCondLst>
+                                            <p:cond delay="0"/>
+                                          </p:stCondLst>
+                                        </p:cTn>
+                                        <p:tgtEl>
+                                          <p:spTgt spid="5">
+                                            <p:txEl>
+                                              <p:pRg st="3" end="3"/>
+                                            </p:txEl>
+                                          </p:spTgt>
+                                        </p:tgtEl>
+                                        <p:attrNameLst>
+                                          <p:attrName>style.visibility</p:attrName>
+                                        </p:attrNameLst>
+                                      </p:cBhvr>
+                                      <p:to>
+                                        <p:strVal val="visible"/>
+                                      </p:to>
+                                    </p:set>
+                                    <p:animEffect transition="in" filter="circle(in)">
+                                      <p:cBhvr>
+                                        <p:cTn id="24" dur="2000"/>
+                                        <p:tgtEl>
+                                          <p:spTgt spid="5">
+                                            <p:txEl>
+                                              <p:pRg st="3" end="3"/>
+                                            </p:txEl>
+                                          </p:spTgt>
+                                        </p:tgtEl>
+                                      </p:cBhvr>
+                                    </p:animEffect>
+                                  </p:childTnLst>
+                                </p:cTn>
+                              </p:par>
+                            </p:childTnLst>
+                          </p:cTn>
+                        </p:par>
+                      </p:childTnLst>
+                    </p:cTn>
+                  </p:par>
+                </p:childTnLst>
+              </p:cTn>
+              <p:prevCondLst>
+                <p:cond evt="onPrev" delay="0">
+                  <p:tgtEl>
+                    <p:sldTgt/>
+                  </p:tgtEl>
+                </p:cond>
+              </p:prevCondLst>
+              <p:nextCondLst>
+                <p:cond evt="onNext" delay="0">
+                  <p:tgtEl>
+                    <p:sldTgt/>
+                  </p:tgtEl>
+                </p:cond>
+              </p:nextCondLst>
+            </p:seq>
+          </p:childTnLst>
+        </p:cTn>
+      </p:par>
+    </p:tnLst>
+    <p:bldLst>
+      <p:bldP spid="4" grpId="0"/>
+    </p:bldLst>
+  </p:timing>
 </p:sld>
 </file>
 
@@ -4627,6 +7329,609 @@
   <p:clrMapOvr>
     <a:masterClrMapping/>
   </p:clrMapOvr>
+  <p:timing>
+    <p:tnLst>
+      <p:par>
+        <p:cTn id="1" dur="indefinite" restart="never" nodeType="tmRoot">
+          <p:childTnLst>
+            <p:seq concurrent="1" nextAc="seek">
+              <p:cTn id="2" dur="indefinite" nodeType="mainSeq">
+                <p:childTnLst>
+                  <p:par>
+                    <p:cTn id="3" fill="hold">
+                      <p:stCondLst>
+                        <p:cond delay="indefinite"/>
+                      </p:stCondLst>
+                      <p:childTnLst>
+                        <p:par>
+                          <p:cTn id="4" fill="hold">
+                            <p:stCondLst>
+                              <p:cond delay="0"/>
+                            </p:stCondLst>
+                            <p:childTnLst>
+                              <p:par>
+                                <p:cTn id="5" presetID="31" presetClass="entr" presetSubtype="0" fill="hold" grpId="0" nodeType="clickEffect">
+                                  <p:stCondLst>
+                                    <p:cond delay="0"/>
+                                  </p:stCondLst>
+                                  <p:childTnLst>
+                                    <p:set>
+                                      <p:cBhvr>
+                                        <p:cTn id="6" dur="1" fill="hold">
+                                          <p:stCondLst>
+                                            <p:cond delay="0"/>
+                                          </p:stCondLst>
+                                        </p:cTn>
+                                        <p:tgtEl>
+                                          <p:spTgt spid="4"/>
+                                        </p:tgtEl>
+                                        <p:attrNameLst>
+                                          <p:attrName>style.visibility</p:attrName>
+                                        </p:attrNameLst>
+                                      </p:cBhvr>
+                                      <p:to>
+                                        <p:strVal val="visible"/>
+                                      </p:to>
+                                    </p:set>
+                                    <p:anim calcmode="lin" valueType="num">
+                                      <p:cBhvr>
+                                        <p:cTn id="7" dur="1000" fill="hold"/>
+                                        <p:tgtEl>
+                                          <p:spTgt spid="4"/>
+                                        </p:tgtEl>
+                                        <p:attrNameLst>
+                                          <p:attrName>ppt_w</p:attrName>
+                                        </p:attrNameLst>
+                                      </p:cBhvr>
+                                      <p:tavLst>
+                                        <p:tav tm="0">
+                                          <p:val>
+                                            <p:fltVal val="0"/>
+                                          </p:val>
+                                        </p:tav>
+                                        <p:tav tm="100000">
+                                          <p:val>
+                                            <p:strVal val="#ppt_w"/>
+                                          </p:val>
+                                        </p:tav>
+                                      </p:tavLst>
+                                    </p:anim>
+                                    <p:anim calcmode="lin" valueType="num">
+                                      <p:cBhvr>
+                                        <p:cTn id="8" dur="1000" fill="hold"/>
+                                        <p:tgtEl>
+                                          <p:spTgt spid="4"/>
+                                        </p:tgtEl>
+                                        <p:attrNameLst>
+                                          <p:attrName>ppt_h</p:attrName>
+                                        </p:attrNameLst>
+                                      </p:cBhvr>
+                                      <p:tavLst>
+                                        <p:tav tm="0">
+                                          <p:val>
+                                            <p:fltVal val="0"/>
+                                          </p:val>
+                                        </p:tav>
+                                        <p:tav tm="100000">
+                                          <p:val>
+                                            <p:strVal val="#ppt_h"/>
+                                          </p:val>
+                                        </p:tav>
+                                      </p:tavLst>
+                                    </p:anim>
+                                    <p:anim calcmode="lin" valueType="num">
+                                      <p:cBhvr>
+                                        <p:cTn id="9" dur="1000" fill="hold"/>
+                                        <p:tgtEl>
+                                          <p:spTgt spid="4"/>
+                                        </p:tgtEl>
+                                        <p:attrNameLst>
+                                          <p:attrName>style.rotation</p:attrName>
+                                        </p:attrNameLst>
+                                      </p:cBhvr>
+                                      <p:tavLst>
+                                        <p:tav tm="0">
+                                          <p:val>
+                                            <p:fltVal val="90"/>
+                                          </p:val>
+                                        </p:tav>
+                                        <p:tav tm="100000">
+                                          <p:val>
+                                            <p:fltVal val="0"/>
+                                          </p:val>
+                                        </p:tav>
+                                      </p:tavLst>
+                                    </p:anim>
+                                    <p:animEffect transition="in" filter="fade">
+                                      <p:cBhvr>
+                                        <p:cTn id="10" dur="1000"/>
+                                        <p:tgtEl>
+                                          <p:spTgt spid="4"/>
+                                        </p:tgtEl>
+                                      </p:cBhvr>
+                                    </p:animEffect>
+                                  </p:childTnLst>
+                                </p:cTn>
+                              </p:par>
+                            </p:childTnLst>
+                          </p:cTn>
+                        </p:par>
+                      </p:childTnLst>
+                    </p:cTn>
+                  </p:par>
+                  <p:par>
+                    <p:cTn id="11" fill="hold">
+                      <p:stCondLst>
+                        <p:cond delay="indefinite"/>
+                      </p:stCondLst>
+                      <p:childTnLst>
+                        <p:par>
+                          <p:cTn id="12" fill="hold">
+                            <p:stCondLst>
+                              <p:cond delay="0"/>
+                            </p:stCondLst>
+                            <p:childTnLst>
+                              <p:par>
+                                <p:cTn id="13" presetID="53" presetClass="entr" presetSubtype="16" fill="hold" nodeType="clickEffect">
+                                  <p:stCondLst>
+                                    <p:cond delay="0"/>
+                                  </p:stCondLst>
+                                  <p:childTnLst>
+                                    <p:set>
+                                      <p:cBhvr>
+                                        <p:cTn id="14" dur="1" fill="hold">
+                                          <p:stCondLst>
+                                            <p:cond delay="0"/>
+                                          </p:stCondLst>
+                                        </p:cTn>
+                                        <p:tgtEl>
+                                          <p:spTgt spid="15"/>
+                                        </p:tgtEl>
+                                        <p:attrNameLst>
+                                          <p:attrName>style.visibility</p:attrName>
+                                        </p:attrNameLst>
+                                      </p:cBhvr>
+                                      <p:to>
+                                        <p:strVal val="visible"/>
+                                      </p:to>
+                                    </p:set>
+                                    <p:anim calcmode="lin" valueType="num">
+                                      <p:cBhvr>
+                                        <p:cTn id="15" dur="500" fill="hold"/>
+                                        <p:tgtEl>
+                                          <p:spTgt spid="15"/>
+                                        </p:tgtEl>
+                                        <p:attrNameLst>
+                                          <p:attrName>ppt_w</p:attrName>
+                                        </p:attrNameLst>
+                                      </p:cBhvr>
+                                      <p:tavLst>
+                                        <p:tav tm="0">
+                                          <p:val>
+                                            <p:fltVal val="0"/>
+                                          </p:val>
+                                        </p:tav>
+                                        <p:tav tm="100000">
+                                          <p:val>
+                                            <p:strVal val="#ppt_w"/>
+                                          </p:val>
+                                        </p:tav>
+                                      </p:tavLst>
+                                    </p:anim>
+                                    <p:anim calcmode="lin" valueType="num">
+                                      <p:cBhvr>
+                                        <p:cTn id="16" dur="500" fill="hold"/>
+                                        <p:tgtEl>
+                                          <p:spTgt spid="15"/>
+                                        </p:tgtEl>
+                                        <p:attrNameLst>
+                                          <p:attrName>ppt_h</p:attrName>
+                                        </p:attrNameLst>
+                                      </p:cBhvr>
+                                      <p:tavLst>
+                                        <p:tav tm="0">
+                                          <p:val>
+                                            <p:fltVal val="0"/>
+                                          </p:val>
+                                        </p:tav>
+                                        <p:tav tm="100000">
+                                          <p:val>
+                                            <p:strVal val="#ppt_h"/>
+                                          </p:val>
+                                        </p:tav>
+                                      </p:tavLst>
+                                    </p:anim>
+                                    <p:animEffect transition="in" filter="fade">
+                                      <p:cBhvr>
+                                        <p:cTn id="17" dur="500"/>
+                                        <p:tgtEl>
+                                          <p:spTgt spid="15"/>
+                                        </p:tgtEl>
+                                      </p:cBhvr>
+                                    </p:animEffect>
+                                  </p:childTnLst>
+                                </p:cTn>
+                              </p:par>
+                            </p:childTnLst>
+                          </p:cTn>
+                        </p:par>
+                      </p:childTnLst>
+                    </p:cTn>
+                  </p:par>
+                  <p:par>
+                    <p:cTn id="18" fill="hold">
+                      <p:stCondLst>
+                        <p:cond delay="indefinite"/>
+                      </p:stCondLst>
+                      <p:childTnLst>
+                        <p:par>
+                          <p:cTn id="19" fill="hold">
+                            <p:stCondLst>
+                              <p:cond delay="0"/>
+                            </p:stCondLst>
+                            <p:childTnLst>
+                              <p:par>
+                                <p:cTn id="20" presetID="14" presetClass="entr" presetSubtype="10" fill="hold" nodeType="clickEffect">
+                                  <p:stCondLst>
+                                    <p:cond delay="0"/>
+                                  </p:stCondLst>
+                                  <p:childTnLst>
+                                    <p:set>
+                                      <p:cBhvr>
+                                        <p:cTn id="21" dur="1" fill="hold">
+                                          <p:stCondLst>
+                                            <p:cond delay="0"/>
+                                          </p:stCondLst>
+                                        </p:cTn>
+                                        <p:tgtEl>
+                                          <p:spTgt spid="17"/>
+                                        </p:tgtEl>
+                                        <p:attrNameLst>
+                                          <p:attrName>style.visibility</p:attrName>
+                                        </p:attrNameLst>
+                                      </p:cBhvr>
+                                      <p:to>
+                                        <p:strVal val="visible"/>
+                                      </p:to>
+                                    </p:set>
+                                    <p:animEffect transition="in" filter="randombar(horizontal)">
+                                      <p:cBhvr>
+                                        <p:cTn id="22" dur="500"/>
+                                        <p:tgtEl>
+                                          <p:spTgt spid="17"/>
+                                        </p:tgtEl>
+                                      </p:cBhvr>
+                                    </p:animEffect>
+                                  </p:childTnLst>
+                                </p:cTn>
+                              </p:par>
+                            </p:childTnLst>
+                          </p:cTn>
+                        </p:par>
+                      </p:childTnLst>
+                    </p:cTn>
+                  </p:par>
+                  <p:par>
+                    <p:cTn id="23" fill="hold">
+                      <p:stCondLst>
+                        <p:cond delay="indefinite"/>
+                      </p:stCondLst>
+                      <p:childTnLst>
+                        <p:par>
+                          <p:cTn id="24" fill="hold">
+                            <p:stCondLst>
+                              <p:cond delay="0"/>
+                            </p:stCondLst>
+                            <p:childTnLst>
+                              <p:par>
+                                <p:cTn id="25" presetID="26" presetClass="entr" presetSubtype="0" fill="hold" nodeType="clickEffect">
+                                  <p:stCondLst>
+                                    <p:cond delay="0"/>
+                                  </p:stCondLst>
+                                  <p:childTnLst>
+                                    <p:set>
+                                      <p:cBhvr>
+                                        <p:cTn id="26" dur="1" fill="hold">
+                                          <p:stCondLst>
+                                            <p:cond delay="0"/>
+                                          </p:stCondLst>
+                                        </p:cTn>
+                                        <p:tgtEl>
+                                          <p:spTgt spid="21"/>
+                                        </p:tgtEl>
+                                        <p:attrNameLst>
+                                          <p:attrName>style.visibility</p:attrName>
+                                        </p:attrNameLst>
+                                      </p:cBhvr>
+                                      <p:to>
+                                        <p:strVal val="visible"/>
+                                      </p:to>
+                                    </p:set>
+                                    <p:animEffect transition="in" filter="wipe(down)">
+                                      <p:cBhvr>
+                                        <p:cTn id="27" dur="580">
+                                          <p:stCondLst>
+                                            <p:cond delay="0"/>
+                                          </p:stCondLst>
+                                        </p:cTn>
+                                        <p:tgtEl>
+                                          <p:spTgt spid="21"/>
+                                        </p:tgtEl>
+                                      </p:cBhvr>
+                                    </p:animEffect>
+                                    <p:anim calcmode="lin" valueType="num">
+                                      <p:cBhvr>
+                                        <p:cTn id="28" dur="1822" tmFilter="0,0; 0.14,0.36; 0.43,0.73; 0.71,0.91; 1.0,1.0">
+                                          <p:stCondLst>
+                                            <p:cond delay="0"/>
+                                          </p:stCondLst>
+                                        </p:cTn>
+                                        <p:tgtEl>
+                                          <p:spTgt spid="21"/>
+                                        </p:tgtEl>
+                                        <p:attrNameLst>
+                                          <p:attrName>ppt_x</p:attrName>
+                                        </p:attrNameLst>
+                                      </p:cBhvr>
+                                      <p:tavLst>
+                                        <p:tav tm="0">
+                                          <p:val>
+                                            <p:strVal val="#ppt_x-0.25"/>
+                                          </p:val>
+                                        </p:tav>
+                                        <p:tav tm="100000">
+                                          <p:val>
+                                            <p:strVal val="#ppt_x"/>
+                                          </p:val>
+                                        </p:tav>
+                                      </p:tavLst>
+                                    </p:anim>
+                                    <p:anim calcmode="lin" valueType="num">
+                                      <p:cBhvr>
+                                        <p:cTn id="29" dur="664" tmFilter="0.0,0.0; 0.25,0.07; 0.50,0.2; 0.75,0.467; 1.0,1.0">
+                                          <p:stCondLst>
+                                            <p:cond delay="0"/>
+                                          </p:stCondLst>
+                                        </p:cTn>
+                                        <p:tgtEl>
+                                          <p:spTgt spid="21"/>
+                                        </p:tgtEl>
+                                        <p:attrNameLst>
+                                          <p:attrName>ppt_y</p:attrName>
+                                        </p:attrNameLst>
+                                      </p:cBhvr>
+                                      <p:tavLst>
+                                        <p:tav tm="0" fmla="#ppt_y-sin(pi*$)/3">
+                                          <p:val>
+                                            <p:fltVal val="0.5"/>
+                                          </p:val>
+                                        </p:tav>
+                                        <p:tav tm="100000">
+                                          <p:val>
+                                            <p:fltVal val="1"/>
+                                          </p:val>
+                                        </p:tav>
+                                      </p:tavLst>
+                                    </p:anim>
+                                    <p:anim calcmode="lin" valueType="num">
+                                      <p:cBhvr>
+                                        <p:cTn id="30" dur="664" tmFilter="0, 0; 0.125,0.2665; 0.25,0.4; 0.375,0.465; 0.5,0.5;  0.625,0.535; 0.75,0.6; 0.875,0.7335; 1,1">
+                                          <p:stCondLst>
+                                            <p:cond delay="664"/>
+                                          </p:stCondLst>
+                                        </p:cTn>
+                                        <p:tgtEl>
+                                          <p:spTgt spid="21"/>
+                                        </p:tgtEl>
+                                        <p:attrNameLst>
+                                          <p:attrName>ppt_y</p:attrName>
+                                        </p:attrNameLst>
+                                      </p:cBhvr>
+                                      <p:tavLst>
+                                        <p:tav tm="0" fmla="#ppt_y-sin(pi*$)/9">
+                                          <p:val>
+                                            <p:fltVal val="0"/>
+                                          </p:val>
+                                        </p:tav>
+                                        <p:tav tm="100000">
+                                          <p:val>
+                                            <p:fltVal val="1"/>
+                                          </p:val>
+                                        </p:tav>
+                                      </p:tavLst>
+                                    </p:anim>
+                                    <p:anim calcmode="lin" valueType="num">
+                                      <p:cBhvr>
+                                        <p:cTn id="31" dur="332" tmFilter="0, 0; 0.125,0.2665; 0.25,0.4; 0.375,0.465; 0.5,0.5;  0.625,0.535; 0.75,0.6; 0.875,0.7335; 1,1">
+                                          <p:stCondLst>
+                                            <p:cond delay="1324"/>
+                                          </p:stCondLst>
+                                        </p:cTn>
+                                        <p:tgtEl>
+                                          <p:spTgt spid="21"/>
+                                        </p:tgtEl>
+                                        <p:attrNameLst>
+                                          <p:attrName>ppt_y</p:attrName>
+                                        </p:attrNameLst>
+                                      </p:cBhvr>
+                                      <p:tavLst>
+                                        <p:tav tm="0" fmla="#ppt_y-sin(pi*$)/27">
+                                          <p:val>
+                                            <p:fltVal val="0"/>
+                                          </p:val>
+                                        </p:tav>
+                                        <p:tav tm="100000">
+                                          <p:val>
+                                            <p:fltVal val="1"/>
+                                          </p:val>
+                                        </p:tav>
+                                      </p:tavLst>
+                                    </p:anim>
+                                    <p:anim calcmode="lin" valueType="num">
+                                      <p:cBhvr>
+                                        <p:cTn id="32" dur="164" tmFilter="0, 0; 0.125,0.2665; 0.25,0.4; 0.375,0.465; 0.5,0.5;  0.625,0.535; 0.75,0.6; 0.875,0.7335; 1,1">
+                                          <p:stCondLst>
+                                            <p:cond delay="1656"/>
+                                          </p:stCondLst>
+                                        </p:cTn>
+                                        <p:tgtEl>
+                                          <p:spTgt spid="21"/>
+                                        </p:tgtEl>
+                                        <p:attrNameLst>
+                                          <p:attrName>ppt_y</p:attrName>
+                                        </p:attrNameLst>
+                                      </p:cBhvr>
+                                      <p:tavLst>
+                                        <p:tav tm="0" fmla="#ppt_y-sin(pi*$)/81">
+                                          <p:val>
+                                            <p:fltVal val="0"/>
+                                          </p:val>
+                                        </p:tav>
+                                        <p:tav tm="100000">
+                                          <p:val>
+                                            <p:fltVal val="1"/>
+                                          </p:val>
+                                        </p:tav>
+                                      </p:tavLst>
+                                    </p:anim>
+                                    <p:animScale>
+                                      <p:cBhvr>
+                                        <p:cTn id="33" dur="26">
+                                          <p:stCondLst>
+                                            <p:cond delay="650"/>
+                                          </p:stCondLst>
+                                        </p:cTn>
+                                        <p:tgtEl>
+                                          <p:spTgt spid="21"/>
+                                        </p:tgtEl>
+                                      </p:cBhvr>
+                                      <p:to x="100000" y="60000"/>
+                                    </p:animScale>
+                                    <p:animScale>
+                                      <p:cBhvr>
+                                        <p:cTn id="34" dur="166" decel="50000">
+                                          <p:stCondLst>
+                                            <p:cond delay="676"/>
+                                          </p:stCondLst>
+                                        </p:cTn>
+                                        <p:tgtEl>
+                                          <p:spTgt spid="21"/>
+                                        </p:tgtEl>
+                                      </p:cBhvr>
+                                      <p:to x="100000" y="100000"/>
+                                    </p:animScale>
+                                    <p:animScale>
+                                      <p:cBhvr>
+                                        <p:cTn id="35" dur="26">
+                                          <p:stCondLst>
+                                            <p:cond delay="1312"/>
+                                          </p:stCondLst>
+                                        </p:cTn>
+                                        <p:tgtEl>
+                                          <p:spTgt spid="21"/>
+                                        </p:tgtEl>
+                                      </p:cBhvr>
+                                      <p:to x="100000" y="80000"/>
+                                    </p:animScale>
+                                    <p:animScale>
+                                      <p:cBhvr>
+                                        <p:cTn id="36" dur="166" decel="50000">
+                                          <p:stCondLst>
+                                            <p:cond delay="1338"/>
+                                          </p:stCondLst>
+                                        </p:cTn>
+                                        <p:tgtEl>
+                                          <p:spTgt spid="21"/>
+                                        </p:tgtEl>
+                                      </p:cBhvr>
+                                      <p:to x="100000" y="100000"/>
+                                    </p:animScale>
+                                    <p:animScale>
+                                      <p:cBhvr>
+                                        <p:cTn id="37" dur="26">
+                                          <p:stCondLst>
+                                            <p:cond delay="1642"/>
+                                          </p:stCondLst>
+                                        </p:cTn>
+                                        <p:tgtEl>
+                                          <p:spTgt spid="21"/>
+                                        </p:tgtEl>
+                                      </p:cBhvr>
+                                      <p:to x="100000" y="90000"/>
+                                    </p:animScale>
+                                    <p:animScale>
+                                      <p:cBhvr>
+                                        <p:cTn id="38" dur="166" decel="50000">
+                                          <p:stCondLst>
+                                            <p:cond delay="1668"/>
+                                          </p:stCondLst>
+                                        </p:cTn>
+                                        <p:tgtEl>
+                                          <p:spTgt spid="21"/>
+                                        </p:tgtEl>
+                                      </p:cBhvr>
+                                      <p:to x="100000" y="100000"/>
+                                    </p:animScale>
+                                    <p:animScale>
+                                      <p:cBhvr>
+                                        <p:cTn id="39" dur="26">
+                                          <p:stCondLst>
+                                            <p:cond delay="1808"/>
+                                          </p:stCondLst>
+                                        </p:cTn>
+                                        <p:tgtEl>
+                                          <p:spTgt spid="21"/>
+                                        </p:tgtEl>
+                                      </p:cBhvr>
+                                      <p:to x="100000" y="95000"/>
+                                    </p:animScale>
+                                    <p:animScale>
+                                      <p:cBhvr>
+                                        <p:cTn id="40" dur="166" decel="50000">
+                                          <p:stCondLst>
+                                            <p:cond delay="1834"/>
+                                          </p:stCondLst>
+                                        </p:cTn>
+                                        <p:tgtEl>
+                                          <p:spTgt spid="21"/>
+                                        </p:tgtEl>
+                                      </p:cBhvr>
+                                      <p:to x="100000" y="100000"/>
+                                    </p:animScale>
+                                  </p:childTnLst>
+                                </p:cTn>
+                              </p:par>
+                            </p:childTnLst>
+                          </p:cTn>
+                        </p:par>
+                      </p:childTnLst>
+                    </p:cTn>
+                  </p:par>
+                </p:childTnLst>
+              </p:cTn>
+              <p:prevCondLst>
+                <p:cond evt="onPrev" delay="0">
+                  <p:tgtEl>
+                    <p:sldTgt/>
+                  </p:tgtEl>
+                </p:cond>
+              </p:prevCondLst>
+              <p:nextCondLst>
+                <p:cond evt="onNext" delay="0">
+                  <p:tgtEl>
+                    <p:sldTgt/>
+                  </p:tgtEl>
+                </p:cond>
+              </p:nextCondLst>
+            </p:seq>
+          </p:childTnLst>
+        </p:cTn>
+      </p:par>
+    </p:tnLst>
+    <p:bldLst>
+      <p:bldP spid="4" grpId="0"/>
+    </p:bldLst>
+  </p:timing>
 </p:sld>
 </file>
 
